--- a/Windows/Figures/Editing_Figure6.pptx
+++ b/Windows/Figures/Editing_Figure6.pptx
@@ -2,19 +2,19 @@
 <file path=ppt/presentation.xml><?xml version="1.0" encoding="utf-8"?>
 <p:presentation xmlns:a="http://schemas.openxmlformats.org/drawingml/2006/main" xmlns:r="http://schemas.openxmlformats.org/officeDocument/2006/relationships" xmlns:p="http://schemas.openxmlformats.org/presentationml/2006/main" saveSubsetFonts="1">
   <p:sldMasterIdLst>
-    <p:sldMasterId id="2147483672" r:id="rId1"/>
+    <p:sldMasterId id="2147483684" r:id="rId1"/>
   </p:sldMasterIdLst>
   <p:sldIdLst>
     <p:sldId id="257" r:id="rId2"/>
   </p:sldIdLst>
-  <p:sldSz cx="9720263" cy="8280400"/>
+  <p:sldSz cx="8280400" cy="7920038"/>
   <p:notesSz cx="6858000" cy="9144000"/>
   <p:defaultTextStyle>
     <a:defPPr>
       <a:defRPr lang="es-MX"/>
     </a:defPPr>
-    <a:lvl1pPr marL="0" algn="l" defTabSz="863879" rtl="0" eaLnBrk="1" latinLnBrk="0" hangingPunct="1">
-      <a:defRPr sz="1701" kern="1200">
+    <a:lvl1pPr marL="0" algn="l" defTabSz="777360" rtl="0" eaLnBrk="1" latinLnBrk="0" hangingPunct="1">
+      <a:defRPr sz="1531" kern="1200">
         <a:solidFill>
           <a:schemeClr val="tx1"/>
         </a:solidFill>
@@ -23,8 +23,8 @@
         <a:cs typeface="+mn-cs"/>
       </a:defRPr>
     </a:lvl1pPr>
-    <a:lvl2pPr marL="431940" algn="l" defTabSz="863879" rtl="0" eaLnBrk="1" latinLnBrk="0" hangingPunct="1">
-      <a:defRPr sz="1701" kern="1200">
+    <a:lvl2pPr marL="388680" algn="l" defTabSz="777360" rtl="0" eaLnBrk="1" latinLnBrk="0" hangingPunct="1">
+      <a:defRPr sz="1531" kern="1200">
         <a:solidFill>
           <a:schemeClr val="tx1"/>
         </a:solidFill>
@@ -33,8 +33,8 @@
         <a:cs typeface="+mn-cs"/>
       </a:defRPr>
     </a:lvl2pPr>
-    <a:lvl3pPr marL="863879" algn="l" defTabSz="863879" rtl="0" eaLnBrk="1" latinLnBrk="0" hangingPunct="1">
-      <a:defRPr sz="1701" kern="1200">
+    <a:lvl3pPr marL="777360" algn="l" defTabSz="777360" rtl="0" eaLnBrk="1" latinLnBrk="0" hangingPunct="1">
+      <a:defRPr sz="1531" kern="1200">
         <a:solidFill>
           <a:schemeClr val="tx1"/>
         </a:solidFill>
@@ -43,8 +43,8 @@
         <a:cs typeface="+mn-cs"/>
       </a:defRPr>
     </a:lvl3pPr>
-    <a:lvl4pPr marL="1295819" algn="l" defTabSz="863879" rtl="0" eaLnBrk="1" latinLnBrk="0" hangingPunct="1">
-      <a:defRPr sz="1701" kern="1200">
+    <a:lvl4pPr marL="1166039" algn="l" defTabSz="777360" rtl="0" eaLnBrk="1" latinLnBrk="0" hangingPunct="1">
+      <a:defRPr sz="1531" kern="1200">
         <a:solidFill>
           <a:schemeClr val="tx1"/>
         </a:solidFill>
@@ -53,8 +53,8 @@
         <a:cs typeface="+mn-cs"/>
       </a:defRPr>
     </a:lvl4pPr>
-    <a:lvl5pPr marL="1727759" algn="l" defTabSz="863879" rtl="0" eaLnBrk="1" latinLnBrk="0" hangingPunct="1">
-      <a:defRPr sz="1701" kern="1200">
+    <a:lvl5pPr marL="1554719" algn="l" defTabSz="777360" rtl="0" eaLnBrk="1" latinLnBrk="0" hangingPunct="1">
+      <a:defRPr sz="1531" kern="1200">
         <a:solidFill>
           <a:schemeClr val="tx1"/>
         </a:solidFill>
@@ -63,8 +63,8 @@
         <a:cs typeface="+mn-cs"/>
       </a:defRPr>
     </a:lvl5pPr>
-    <a:lvl6pPr marL="2159699" algn="l" defTabSz="863879" rtl="0" eaLnBrk="1" latinLnBrk="0" hangingPunct="1">
-      <a:defRPr sz="1701" kern="1200">
+    <a:lvl6pPr marL="1943399" algn="l" defTabSz="777360" rtl="0" eaLnBrk="1" latinLnBrk="0" hangingPunct="1">
+      <a:defRPr sz="1531" kern="1200">
         <a:solidFill>
           <a:schemeClr val="tx1"/>
         </a:solidFill>
@@ -73,8 +73,8 @@
         <a:cs typeface="+mn-cs"/>
       </a:defRPr>
     </a:lvl6pPr>
-    <a:lvl7pPr marL="2591639" algn="l" defTabSz="863879" rtl="0" eaLnBrk="1" latinLnBrk="0" hangingPunct="1">
-      <a:defRPr sz="1701" kern="1200">
+    <a:lvl7pPr marL="2332079" algn="l" defTabSz="777360" rtl="0" eaLnBrk="1" latinLnBrk="0" hangingPunct="1">
+      <a:defRPr sz="1531" kern="1200">
         <a:solidFill>
           <a:schemeClr val="tx1"/>
         </a:solidFill>
@@ -83,8 +83,8 @@
         <a:cs typeface="+mn-cs"/>
       </a:defRPr>
     </a:lvl7pPr>
-    <a:lvl8pPr marL="3023578" algn="l" defTabSz="863879" rtl="0" eaLnBrk="1" latinLnBrk="0" hangingPunct="1">
-      <a:defRPr sz="1701" kern="1200">
+    <a:lvl8pPr marL="2720758" algn="l" defTabSz="777360" rtl="0" eaLnBrk="1" latinLnBrk="0" hangingPunct="1">
+      <a:defRPr sz="1531" kern="1200">
         <a:solidFill>
           <a:schemeClr val="tx1"/>
         </a:solidFill>
@@ -93,8 +93,8 @@
         <a:cs typeface="+mn-cs"/>
       </a:defRPr>
     </a:lvl8pPr>
-    <a:lvl9pPr marL="3455518" algn="l" defTabSz="863879" rtl="0" eaLnBrk="1" latinLnBrk="0" hangingPunct="1">
-      <a:defRPr sz="1701" kern="1200">
+    <a:lvl9pPr marL="3109438" algn="l" defTabSz="777360" rtl="0" eaLnBrk="1" latinLnBrk="0" hangingPunct="1">
+      <a:defRPr sz="1531" kern="1200">
         <a:solidFill>
           <a:schemeClr val="tx1"/>
         </a:solidFill>
@@ -141,15 +141,15 @@
         </p:nvSpPr>
         <p:spPr>
           <a:xfrm>
-            <a:off x="729020" y="1355149"/>
-            <a:ext cx="8262224" cy="2882806"/>
+            <a:off x="621030" y="1296173"/>
+            <a:ext cx="7038340" cy="2757347"/>
           </a:xfrm>
         </p:spPr>
         <p:txBody>
           <a:bodyPr anchor="b"/>
           <a:lstStyle>
             <a:lvl1pPr algn="ctr">
-              <a:defRPr sz="6378"/>
+              <a:defRPr sz="5434"/>
             </a:lvl1pPr>
           </a:lstStyle>
           <a:p>
@@ -173,8 +173,8 @@
         </p:nvSpPr>
         <p:spPr>
           <a:xfrm>
-            <a:off x="1215033" y="4349128"/>
-            <a:ext cx="7290197" cy="1999179"/>
+            <a:off x="1035050" y="4159854"/>
+            <a:ext cx="6210300" cy="1912175"/>
           </a:xfrm>
         </p:spPr>
         <p:txBody>
@@ -182,39 +182,39 @@
           <a:lstStyle>
             <a:lvl1pPr marL="0" indent="0" algn="ctr">
               <a:buNone/>
-              <a:defRPr sz="2551"/>
+              <a:defRPr sz="2173"/>
             </a:lvl1pPr>
-            <a:lvl2pPr marL="486004" indent="0" algn="ctr">
-              <a:buNone/>
-              <a:defRPr sz="2126"/>
+            <a:lvl2pPr marL="414040" indent="0" algn="ctr">
+              <a:buNone/>
+              <a:defRPr sz="1811"/>
             </a:lvl2pPr>
-            <a:lvl3pPr marL="972007" indent="0" algn="ctr">
-              <a:buNone/>
-              <a:defRPr sz="1913"/>
+            <a:lvl3pPr marL="828081" indent="0" algn="ctr">
+              <a:buNone/>
+              <a:defRPr sz="1630"/>
             </a:lvl3pPr>
-            <a:lvl4pPr marL="1458011" indent="0" algn="ctr">
-              <a:buNone/>
-              <a:defRPr sz="1701"/>
+            <a:lvl4pPr marL="1242121" indent="0" algn="ctr">
+              <a:buNone/>
+              <a:defRPr sz="1449"/>
             </a:lvl4pPr>
-            <a:lvl5pPr marL="1944014" indent="0" algn="ctr">
-              <a:buNone/>
-              <a:defRPr sz="1701"/>
+            <a:lvl5pPr marL="1656161" indent="0" algn="ctr">
+              <a:buNone/>
+              <a:defRPr sz="1449"/>
             </a:lvl5pPr>
-            <a:lvl6pPr marL="2430018" indent="0" algn="ctr">
-              <a:buNone/>
-              <a:defRPr sz="1701"/>
+            <a:lvl6pPr marL="2070202" indent="0" algn="ctr">
+              <a:buNone/>
+              <a:defRPr sz="1449"/>
             </a:lvl6pPr>
-            <a:lvl7pPr marL="2916022" indent="0" algn="ctr">
-              <a:buNone/>
-              <a:defRPr sz="1701"/>
+            <a:lvl7pPr marL="2484242" indent="0" algn="ctr">
+              <a:buNone/>
+              <a:defRPr sz="1449"/>
             </a:lvl7pPr>
-            <a:lvl8pPr marL="3402025" indent="0" algn="ctr">
-              <a:buNone/>
-              <a:defRPr sz="1701"/>
+            <a:lvl8pPr marL="2898282" indent="0" algn="ctr">
+              <a:buNone/>
+              <a:defRPr sz="1449"/>
             </a:lvl8pPr>
-            <a:lvl9pPr marL="3888029" indent="0" algn="ctr">
-              <a:buNone/>
-              <a:defRPr sz="1701"/>
+            <a:lvl9pPr marL="3312323" indent="0" algn="ctr">
+              <a:buNone/>
+              <a:defRPr sz="1449"/>
             </a:lvl9pPr>
           </a:lstStyle>
           <a:p>
@@ -243,7 +243,7 @@
           <a:p>
             <a:fld id="{3B850EE8-32B1-4F57-8AA4-503520AF871D}" type="datetimeFigureOut">
               <a:rPr lang="es-MX" smtClean="0"/>
-              <a:t>27/05/2022</a:t>
+              <a:t>29/05/2022</a:t>
             </a:fld>
             <a:endParaRPr lang="es-MX"/>
           </a:p>
@@ -294,7 +294,7 @@
     </p:spTree>
     <p:extLst>
       <p:ext uri="{BB962C8B-B14F-4D97-AF65-F5344CB8AC3E}">
-        <p14:creationId xmlns:p14="http://schemas.microsoft.com/office/powerpoint/2010/main" val="147068556"/>
+        <p14:creationId xmlns:p14="http://schemas.microsoft.com/office/powerpoint/2010/main" val="2177128401"/>
       </p:ext>
     </p:extLst>
   </p:cSld>
@@ -413,7 +413,7 @@
           <a:p>
             <a:fld id="{3B850EE8-32B1-4F57-8AA4-503520AF871D}" type="datetimeFigureOut">
               <a:rPr lang="es-MX" smtClean="0"/>
-              <a:t>27/05/2022</a:t>
+              <a:t>29/05/2022</a:t>
             </a:fld>
             <a:endParaRPr lang="es-MX"/>
           </a:p>
@@ -464,7 +464,7 @@
     </p:spTree>
     <p:extLst>
       <p:ext uri="{BB962C8B-B14F-4D97-AF65-F5344CB8AC3E}">
-        <p14:creationId xmlns:p14="http://schemas.microsoft.com/office/powerpoint/2010/main" val="1680041822"/>
+        <p14:creationId xmlns:p14="http://schemas.microsoft.com/office/powerpoint/2010/main" val="429895523"/>
       </p:ext>
     </p:extLst>
   </p:cSld>
@@ -503,8 +503,8 @@
         </p:nvSpPr>
         <p:spPr>
           <a:xfrm>
-            <a:off x="6956064" y="440855"/>
-            <a:ext cx="2095932" cy="7017256"/>
+            <a:off x="5925662" y="421669"/>
+            <a:ext cx="1785461" cy="6711866"/>
           </a:xfrm>
         </p:spPr>
         <p:txBody>
@@ -531,8 +531,8 @@
         </p:nvSpPr>
         <p:spPr>
           <a:xfrm>
-            <a:off x="668269" y="440855"/>
-            <a:ext cx="6166292" cy="7017256"/>
+            <a:off x="569278" y="421669"/>
+            <a:ext cx="5252879" cy="6711866"/>
           </a:xfrm>
         </p:spPr>
         <p:txBody>
@@ -593,7 +593,7 @@
           <a:p>
             <a:fld id="{3B850EE8-32B1-4F57-8AA4-503520AF871D}" type="datetimeFigureOut">
               <a:rPr lang="es-MX" smtClean="0"/>
-              <a:t>27/05/2022</a:t>
+              <a:t>29/05/2022</a:t>
             </a:fld>
             <a:endParaRPr lang="es-MX"/>
           </a:p>
@@ -644,7 +644,7 @@
     </p:spTree>
     <p:extLst>
       <p:ext uri="{BB962C8B-B14F-4D97-AF65-F5344CB8AC3E}">
-        <p14:creationId xmlns:p14="http://schemas.microsoft.com/office/powerpoint/2010/main" val="4146522943"/>
+        <p14:creationId xmlns:p14="http://schemas.microsoft.com/office/powerpoint/2010/main" val="4037871121"/>
       </p:ext>
     </p:extLst>
   </p:cSld>
@@ -763,7 +763,7 @@
           <a:p>
             <a:fld id="{3B850EE8-32B1-4F57-8AA4-503520AF871D}" type="datetimeFigureOut">
               <a:rPr lang="es-MX" smtClean="0"/>
-              <a:t>27/05/2022</a:t>
+              <a:t>29/05/2022</a:t>
             </a:fld>
             <a:endParaRPr lang="es-MX"/>
           </a:p>
@@ -814,7 +814,7 @@
     </p:spTree>
     <p:extLst>
       <p:ext uri="{BB962C8B-B14F-4D97-AF65-F5344CB8AC3E}">
-        <p14:creationId xmlns:p14="http://schemas.microsoft.com/office/powerpoint/2010/main" val="3965336097"/>
+        <p14:creationId xmlns:p14="http://schemas.microsoft.com/office/powerpoint/2010/main" val="147176146"/>
       </p:ext>
     </p:extLst>
   </p:cSld>
@@ -853,15 +853,15 @@
         </p:nvSpPr>
         <p:spPr>
           <a:xfrm>
-            <a:off x="663206" y="2064352"/>
-            <a:ext cx="8383727" cy="3444416"/>
+            <a:off x="564965" y="1974512"/>
+            <a:ext cx="7141845" cy="3294515"/>
           </a:xfrm>
         </p:spPr>
         <p:txBody>
           <a:bodyPr anchor="b"/>
           <a:lstStyle>
             <a:lvl1pPr>
-              <a:defRPr sz="6378"/>
+              <a:defRPr sz="5434"/>
             </a:lvl1pPr>
           </a:lstStyle>
           <a:p>
@@ -885,8 +885,8 @@
         </p:nvSpPr>
         <p:spPr>
           <a:xfrm>
-            <a:off x="663206" y="5541353"/>
-            <a:ext cx="8383727" cy="1811337"/>
+            <a:off x="564965" y="5300194"/>
+            <a:ext cx="7141845" cy="1732508"/>
           </a:xfrm>
         </p:spPr>
         <p:txBody>
@@ -894,15 +894,15 @@
           <a:lstStyle>
             <a:lvl1pPr marL="0" indent="0">
               <a:buNone/>
-              <a:defRPr sz="2551">
+              <a:defRPr sz="2173">
                 <a:solidFill>
                   <a:schemeClr val="tx1"/>
                 </a:solidFill>
               </a:defRPr>
             </a:lvl1pPr>
-            <a:lvl2pPr marL="486004" indent="0">
-              <a:buNone/>
-              <a:defRPr sz="2126">
+            <a:lvl2pPr marL="414040" indent="0">
+              <a:buNone/>
+              <a:defRPr sz="1811">
                 <a:solidFill>
                   <a:schemeClr val="tx1">
                     <a:tint val="75000"/>
@@ -910,9 +910,9 @@
                 </a:solidFill>
               </a:defRPr>
             </a:lvl2pPr>
-            <a:lvl3pPr marL="972007" indent="0">
-              <a:buNone/>
-              <a:defRPr sz="1913">
+            <a:lvl3pPr marL="828081" indent="0">
+              <a:buNone/>
+              <a:defRPr sz="1630">
                 <a:solidFill>
                   <a:schemeClr val="tx1">
                     <a:tint val="75000"/>
@@ -920,9 +920,9 @@
                 </a:solidFill>
               </a:defRPr>
             </a:lvl3pPr>
-            <a:lvl4pPr marL="1458011" indent="0">
-              <a:buNone/>
-              <a:defRPr sz="1701">
+            <a:lvl4pPr marL="1242121" indent="0">
+              <a:buNone/>
+              <a:defRPr sz="1449">
                 <a:solidFill>
                   <a:schemeClr val="tx1">
                     <a:tint val="75000"/>
@@ -930,9 +930,9 @@
                 </a:solidFill>
               </a:defRPr>
             </a:lvl4pPr>
-            <a:lvl5pPr marL="1944014" indent="0">
-              <a:buNone/>
-              <a:defRPr sz="1701">
+            <a:lvl5pPr marL="1656161" indent="0">
+              <a:buNone/>
+              <a:defRPr sz="1449">
                 <a:solidFill>
                   <a:schemeClr val="tx1">
                     <a:tint val="75000"/>
@@ -940,9 +940,9 @@
                 </a:solidFill>
               </a:defRPr>
             </a:lvl5pPr>
-            <a:lvl6pPr marL="2430018" indent="0">
-              <a:buNone/>
-              <a:defRPr sz="1701">
+            <a:lvl6pPr marL="2070202" indent="0">
+              <a:buNone/>
+              <a:defRPr sz="1449">
                 <a:solidFill>
                   <a:schemeClr val="tx1">
                     <a:tint val="75000"/>
@@ -950,9 +950,9 @@
                 </a:solidFill>
               </a:defRPr>
             </a:lvl6pPr>
-            <a:lvl7pPr marL="2916022" indent="0">
-              <a:buNone/>
-              <a:defRPr sz="1701">
+            <a:lvl7pPr marL="2484242" indent="0">
+              <a:buNone/>
+              <a:defRPr sz="1449">
                 <a:solidFill>
                   <a:schemeClr val="tx1">
                     <a:tint val="75000"/>
@@ -960,9 +960,9 @@
                 </a:solidFill>
               </a:defRPr>
             </a:lvl7pPr>
-            <a:lvl8pPr marL="3402025" indent="0">
-              <a:buNone/>
-              <a:defRPr sz="1701">
+            <a:lvl8pPr marL="2898282" indent="0">
+              <a:buNone/>
+              <a:defRPr sz="1449">
                 <a:solidFill>
                   <a:schemeClr val="tx1">
                     <a:tint val="75000"/>
@@ -970,9 +970,9 @@
                 </a:solidFill>
               </a:defRPr>
             </a:lvl8pPr>
-            <a:lvl9pPr marL="3888029" indent="0">
-              <a:buNone/>
-              <a:defRPr sz="1701">
+            <a:lvl9pPr marL="3312323" indent="0">
+              <a:buNone/>
+              <a:defRPr sz="1449">
                 <a:solidFill>
                   <a:schemeClr val="tx1">
                     <a:tint val="75000"/>
@@ -1007,7 +1007,7 @@
           <a:p>
             <a:fld id="{3B850EE8-32B1-4F57-8AA4-503520AF871D}" type="datetimeFigureOut">
               <a:rPr lang="es-MX" smtClean="0"/>
-              <a:t>27/05/2022</a:t>
+              <a:t>29/05/2022</a:t>
             </a:fld>
             <a:endParaRPr lang="es-MX"/>
           </a:p>
@@ -1058,7 +1058,7 @@
     </p:spTree>
     <p:extLst>
       <p:ext uri="{BB962C8B-B14F-4D97-AF65-F5344CB8AC3E}">
-        <p14:creationId xmlns:p14="http://schemas.microsoft.com/office/powerpoint/2010/main" val="879519027"/>
+        <p14:creationId xmlns:p14="http://schemas.microsoft.com/office/powerpoint/2010/main" val="1413136601"/>
       </p:ext>
     </p:extLst>
   </p:cSld>
@@ -1120,8 +1120,8 @@
         </p:nvSpPr>
         <p:spPr>
           <a:xfrm>
-            <a:off x="668268" y="2204273"/>
-            <a:ext cx="4131112" cy="5253838"/>
+            <a:off x="569278" y="2108344"/>
+            <a:ext cx="3519170" cy="5025191"/>
           </a:xfrm>
         </p:spPr>
         <p:txBody>
@@ -1177,8 +1177,8 @@
         </p:nvSpPr>
         <p:spPr>
           <a:xfrm>
-            <a:off x="4920883" y="2204273"/>
-            <a:ext cx="4131112" cy="5253838"/>
+            <a:off x="4191953" y="2108344"/>
+            <a:ext cx="3519170" cy="5025191"/>
           </a:xfrm>
         </p:spPr>
         <p:txBody>
@@ -1239,7 +1239,7 @@
           <a:p>
             <a:fld id="{3B850EE8-32B1-4F57-8AA4-503520AF871D}" type="datetimeFigureOut">
               <a:rPr lang="es-MX" smtClean="0"/>
-              <a:t>27/05/2022</a:t>
+              <a:t>29/05/2022</a:t>
             </a:fld>
             <a:endParaRPr lang="es-MX"/>
           </a:p>
@@ -1290,7 +1290,7 @@
     </p:spTree>
     <p:extLst>
       <p:ext uri="{BB962C8B-B14F-4D97-AF65-F5344CB8AC3E}">
-        <p14:creationId xmlns:p14="http://schemas.microsoft.com/office/powerpoint/2010/main" val="4120282395"/>
+        <p14:creationId xmlns:p14="http://schemas.microsoft.com/office/powerpoint/2010/main" val="2518935151"/>
       </p:ext>
     </p:extLst>
   </p:cSld>
@@ -1329,8 +1329,8 @@
         </p:nvSpPr>
         <p:spPr>
           <a:xfrm>
-            <a:off x="669534" y="440856"/>
-            <a:ext cx="8383727" cy="1600495"/>
+            <a:off x="570356" y="421671"/>
+            <a:ext cx="7141845" cy="1530841"/>
           </a:xfrm>
         </p:spPr>
         <p:txBody>
@@ -1357,8 +1357,8 @@
         </p:nvSpPr>
         <p:spPr>
           <a:xfrm>
-            <a:off x="669535" y="2029849"/>
-            <a:ext cx="4112126" cy="994797"/>
+            <a:off x="570357" y="1941510"/>
+            <a:ext cx="3502997" cy="951504"/>
           </a:xfrm>
         </p:spPr>
         <p:txBody>
@@ -1366,39 +1366,39 @@
           <a:lstStyle>
             <a:lvl1pPr marL="0" indent="0">
               <a:buNone/>
-              <a:defRPr sz="2551" b="1"/>
+              <a:defRPr sz="2173" b="1"/>
             </a:lvl1pPr>
-            <a:lvl2pPr marL="486004" indent="0">
-              <a:buNone/>
-              <a:defRPr sz="2126" b="1"/>
+            <a:lvl2pPr marL="414040" indent="0">
+              <a:buNone/>
+              <a:defRPr sz="1811" b="1"/>
             </a:lvl2pPr>
-            <a:lvl3pPr marL="972007" indent="0">
-              <a:buNone/>
-              <a:defRPr sz="1913" b="1"/>
+            <a:lvl3pPr marL="828081" indent="0">
+              <a:buNone/>
+              <a:defRPr sz="1630" b="1"/>
             </a:lvl3pPr>
-            <a:lvl4pPr marL="1458011" indent="0">
-              <a:buNone/>
-              <a:defRPr sz="1701" b="1"/>
+            <a:lvl4pPr marL="1242121" indent="0">
+              <a:buNone/>
+              <a:defRPr sz="1449" b="1"/>
             </a:lvl4pPr>
-            <a:lvl5pPr marL="1944014" indent="0">
-              <a:buNone/>
-              <a:defRPr sz="1701" b="1"/>
+            <a:lvl5pPr marL="1656161" indent="0">
+              <a:buNone/>
+              <a:defRPr sz="1449" b="1"/>
             </a:lvl5pPr>
-            <a:lvl6pPr marL="2430018" indent="0">
-              <a:buNone/>
-              <a:defRPr sz="1701" b="1"/>
+            <a:lvl6pPr marL="2070202" indent="0">
+              <a:buNone/>
+              <a:defRPr sz="1449" b="1"/>
             </a:lvl6pPr>
-            <a:lvl7pPr marL="2916022" indent="0">
-              <a:buNone/>
-              <a:defRPr sz="1701" b="1"/>
+            <a:lvl7pPr marL="2484242" indent="0">
+              <a:buNone/>
+              <a:defRPr sz="1449" b="1"/>
             </a:lvl7pPr>
-            <a:lvl8pPr marL="3402025" indent="0">
-              <a:buNone/>
-              <a:defRPr sz="1701" b="1"/>
+            <a:lvl8pPr marL="2898282" indent="0">
+              <a:buNone/>
+              <a:defRPr sz="1449" b="1"/>
             </a:lvl8pPr>
-            <a:lvl9pPr marL="3888029" indent="0">
-              <a:buNone/>
-              <a:defRPr sz="1701" b="1"/>
+            <a:lvl9pPr marL="3312323" indent="0">
+              <a:buNone/>
+              <a:defRPr sz="1449" b="1"/>
             </a:lvl9pPr>
           </a:lstStyle>
           <a:p>
@@ -1422,8 +1422,8 @@
         </p:nvSpPr>
         <p:spPr>
           <a:xfrm>
-            <a:off x="669535" y="3024646"/>
-            <a:ext cx="4112126" cy="4448799"/>
+            <a:off x="570357" y="2893014"/>
+            <a:ext cx="3502997" cy="4255188"/>
           </a:xfrm>
         </p:spPr>
         <p:txBody>
@@ -1479,8 +1479,8 @@
         </p:nvSpPr>
         <p:spPr>
           <a:xfrm>
-            <a:off x="4920884" y="2029849"/>
-            <a:ext cx="4132378" cy="994797"/>
+            <a:off x="4191953" y="1941510"/>
+            <a:ext cx="3520249" cy="951504"/>
           </a:xfrm>
         </p:spPr>
         <p:txBody>
@@ -1488,39 +1488,39 @@
           <a:lstStyle>
             <a:lvl1pPr marL="0" indent="0">
               <a:buNone/>
-              <a:defRPr sz="2551" b="1"/>
+              <a:defRPr sz="2173" b="1"/>
             </a:lvl1pPr>
-            <a:lvl2pPr marL="486004" indent="0">
-              <a:buNone/>
-              <a:defRPr sz="2126" b="1"/>
+            <a:lvl2pPr marL="414040" indent="0">
+              <a:buNone/>
+              <a:defRPr sz="1811" b="1"/>
             </a:lvl2pPr>
-            <a:lvl3pPr marL="972007" indent="0">
-              <a:buNone/>
-              <a:defRPr sz="1913" b="1"/>
+            <a:lvl3pPr marL="828081" indent="0">
+              <a:buNone/>
+              <a:defRPr sz="1630" b="1"/>
             </a:lvl3pPr>
-            <a:lvl4pPr marL="1458011" indent="0">
-              <a:buNone/>
-              <a:defRPr sz="1701" b="1"/>
+            <a:lvl4pPr marL="1242121" indent="0">
+              <a:buNone/>
+              <a:defRPr sz="1449" b="1"/>
             </a:lvl4pPr>
-            <a:lvl5pPr marL="1944014" indent="0">
-              <a:buNone/>
-              <a:defRPr sz="1701" b="1"/>
+            <a:lvl5pPr marL="1656161" indent="0">
+              <a:buNone/>
+              <a:defRPr sz="1449" b="1"/>
             </a:lvl5pPr>
-            <a:lvl6pPr marL="2430018" indent="0">
-              <a:buNone/>
-              <a:defRPr sz="1701" b="1"/>
+            <a:lvl6pPr marL="2070202" indent="0">
+              <a:buNone/>
+              <a:defRPr sz="1449" b="1"/>
             </a:lvl6pPr>
-            <a:lvl7pPr marL="2916022" indent="0">
-              <a:buNone/>
-              <a:defRPr sz="1701" b="1"/>
+            <a:lvl7pPr marL="2484242" indent="0">
+              <a:buNone/>
+              <a:defRPr sz="1449" b="1"/>
             </a:lvl7pPr>
-            <a:lvl8pPr marL="3402025" indent="0">
-              <a:buNone/>
-              <a:defRPr sz="1701" b="1"/>
+            <a:lvl8pPr marL="2898282" indent="0">
+              <a:buNone/>
+              <a:defRPr sz="1449" b="1"/>
             </a:lvl8pPr>
-            <a:lvl9pPr marL="3888029" indent="0">
-              <a:buNone/>
-              <a:defRPr sz="1701" b="1"/>
+            <a:lvl9pPr marL="3312323" indent="0">
+              <a:buNone/>
+              <a:defRPr sz="1449" b="1"/>
             </a:lvl9pPr>
           </a:lstStyle>
           <a:p>
@@ -1544,8 +1544,8 @@
         </p:nvSpPr>
         <p:spPr>
           <a:xfrm>
-            <a:off x="4920884" y="3024646"/>
-            <a:ext cx="4132378" cy="4448799"/>
+            <a:off x="4191953" y="2893014"/>
+            <a:ext cx="3520249" cy="4255188"/>
           </a:xfrm>
         </p:spPr>
         <p:txBody>
@@ -1606,7 +1606,7 @@
           <a:p>
             <a:fld id="{3B850EE8-32B1-4F57-8AA4-503520AF871D}" type="datetimeFigureOut">
               <a:rPr lang="es-MX" smtClean="0"/>
-              <a:t>27/05/2022</a:t>
+              <a:t>29/05/2022</a:t>
             </a:fld>
             <a:endParaRPr lang="es-MX"/>
           </a:p>
@@ -1657,7 +1657,7 @@
     </p:spTree>
     <p:extLst>
       <p:ext uri="{BB962C8B-B14F-4D97-AF65-F5344CB8AC3E}">
-        <p14:creationId xmlns:p14="http://schemas.microsoft.com/office/powerpoint/2010/main" val="2231363779"/>
+        <p14:creationId xmlns:p14="http://schemas.microsoft.com/office/powerpoint/2010/main" val="2029967698"/>
       </p:ext>
     </p:extLst>
   </p:cSld>
@@ -1724,7 +1724,7 @@
           <a:p>
             <a:fld id="{3B850EE8-32B1-4F57-8AA4-503520AF871D}" type="datetimeFigureOut">
               <a:rPr lang="es-MX" smtClean="0"/>
-              <a:t>27/05/2022</a:t>
+              <a:t>29/05/2022</a:t>
             </a:fld>
             <a:endParaRPr lang="es-MX"/>
           </a:p>
@@ -1775,7 +1775,7 @@
     </p:spTree>
     <p:extLst>
       <p:ext uri="{BB962C8B-B14F-4D97-AF65-F5344CB8AC3E}">
-        <p14:creationId xmlns:p14="http://schemas.microsoft.com/office/powerpoint/2010/main" val="2134739060"/>
+        <p14:creationId xmlns:p14="http://schemas.microsoft.com/office/powerpoint/2010/main" val="2153799548"/>
       </p:ext>
     </p:extLst>
   </p:cSld>
@@ -1819,7 +1819,7 @@
           <a:p>
             <a:fld id="{3B850EE8-32B1-4F57-8AA4-503520AF871D}" type="datetimeFigureOut">
               <a:rPr lang="es-MX" smtClean="0"/>
-              <a:t>27/05/2022</a:t>
+              <a:t>29/05/2022</a:t>
             </a:fld>
             <a:endParaRPr lang="es-MX"/>
           </a:p>
@@ -1870,7 +1870,7 @@
     </p:spTree>
     <p:extLst>
       <p:ext uri="{BB962C8B-B14F-4D97-AF65-F5344CB8AC3E}">
-        <p14:creationId xmlns:p14="http://schemas.microsoft.com/office/powerpoint/2010/main" val="4085971996"/>
+        <p14:creationId xmlns:p14="http://schemas.microsoft.com/office/powerpoint/2010/main" val="2902795478"/>
       </p:ext>
     </p:extLst>
   </p:cSld>
@@ -1909,15 +1909,15 @@
         </p:nvSpPr>
         <p:spPr>
           <a:xfrm>
-            <a:off x="669534" y="552027"/>
-            <a:ext cx="3135038" cy="1932093"/>
+            <a:off x="570356" y="528002"/>
+            <a:ext cx="2670645" cy="1848009"/>
           </a:xfrm>
         </p:spPr>
         <p:txBody>
           <a:bodyPr anchor="b"/>
           <a:lstStyle>
             <a:lvl1pPr>
-              <a:defRPr sz="3402"/>
+              <a:defRPr sz="2898"/>
             </a:lvl1pPr>
           </a:lstStyle>
           <a:p>
@@ -1941,39 +1941,39 @@
         </p:nvSpPr>
         <p:spPr>
           <a:xfrm>
-            <a:off x="4132378" y="1192226"/>
-            <a:ext cx="4920883" cy="5884451"/>
+            <a:off x="3520248" y="1140341"/>
+            <a:ext cx="4191953" cy="5628360"/>
           </a:xfrm>
         </p:spPr>
         <p:txBody>
           <a:bodyPr/>
           <a:lstStyle>
             <a:lvl1pPr>
-              <a:defRPr sz="3402"/>
+              <a:defRPr sz="2898"/>
             </a:lvl1pPr>
             <a:lvl2pPr>
-              <a:defRPr sz="2976"/>
+              <a:defRPr sz="2536"/>
             </a:lvl2pPr>
             <a:lvl3pPr>
-              <a:defRPr sz="2551"/>
+              <a:defRPr sz="2173"/>
             </a:lvl3pPr>
             <a:lvl4pPr>
-              <a:defRPr sz="2126"/>
+              <a:defRPr sz="1811"/>
             </a:lvl4pPr>
             <a:lvl5pPr>
-              <a:defRPr sz="2126"/>
+              <a:defRPr sz="1811"/>
             </a:lvl5pPr>
             <a:lvl6pPr>
-              <a:defRPr sz="2126"/>
+              <a:defRPr sz="1811"/>
             </a:lvl6pPr>
             <a:lvl7pPr>
-              <a:defRPr sz="2126"/>
+              <a:defRPr sz="1811"/>
             </a:lvl7pPr>
             <a:lvl8pPr>
-              <a:defRPr sz="2126"/>
+              <a:defRPr sz="1811"/>
             </a:lvl8pPr>
             <a:lvl9pPr>
-              <a:defRPr sz="2126"/>
+              <a:defRPr sz="1811"/>
             </a:lvl9pPr>
           </a:lstStyle>
           <a:p>
@@ -2026,8 +2026,8 @@
         </p:nvSpPr>
         <p:spPr>
           <a:xfrm>
-            <a:off x="669534" y="2484120"/>
-            <a:ext cx="3135038" cy="4602140"/>
+            <a:off x="570356" y="2376011"/>
+            <a:ext cx="2670645" cy="4401855"/>
           </a:xfrm>
         </p:spPr>
         <p:txBody>
@@ -2035,39 +2035,39 @@
           <a:lstStyle>
             <a:lvl1pPr marL="0" indent="0">
               <a:buNone/>
-              <a:defRPr sz="1701"/>
+              <a:defRPr sz="1449"/>
             </a:lvl1pPr>
-            <a:lvl2pPr marL="486004" indent="0">
-              <a:buNone/>
-              <a:defRPr sz="1488"/>
+            <a:lvl2pPr marL="414040" indent="0">
+              <a:buNone/>
+              <a:defRPr sz="1268"/>
             </a:lvl2pPr>
-            <a:lvl3pPr marL="972007" indent="0">
-              <a:buNone/>
-              <a:defRPr sz="1276"/>
+            <a:lvl3pPr marL="828081" indent="0">
+              <a:buNone/>
+              <a:defRPr sz="1087"/>
             </a:lvl3pPr>
-            <a:lvl4pPr marL="1458011" indent="0">
-              <a:buNone/>
-              <a:defRPr sz="1063"/>
+            <a:lvl4pPr marL="1242121" indent="0">
+              <a:buNone/>
+              <a:defRPr sz="906"/>
             </a:lvl4pPr>
-            <a:lvl5pPr marL="1944014" indent="0">
-              <a:buNone/>
-              <a:defRPr sz="1063"/>
+            <a:lvl5pPr marL="1656161" indent="0">
+              <a:buNone/>
+              <a:defRPr sz="906"/>
             </a:lvl5pPr>
-            <a:lvl6pPr marL="2430018" indent="0">
-              <a:buNone/>
-              <a:defRPr sz="1063"/>
+            <a:lvl6pPr marL="2070202" indent="0">
+              <a:buNone/>
+              <a:defRPr sz="906"/>
             </a:lvl6pPr>
-            <a:lvl7pPr marL="2916022" indent="0">
-              <a:buNone/>
-              <a:defRPr sz="1063"/>
+            <a:lvl7pPr marL="2484242" indent="0">
+              <a:buNone/>
+              <a:defRPr sz="906"/>
             </a:lvl7pPr>
-            <a:lvl8pPr marL="3402025" indent="0">
-              <a:buNone/>
-              <a:defRPr sz="1063"/>
+            <a:lvl8pPr marL="2898282" indent="0">
+              <a:buNone/>
+              <a:defRPr sz="906"/>
             </a:lvl8pPr>
-            <a:lvl9pPr marL="3888029" indent="0">
-              <a:buNone/>
-              <a:defRPr sz="1063"/>
+            <a:lvl9pPr marL="3312323" indent="0">
+              <a:buNone/>
+              <a:defRPr sz="906"/>
             </a:lvl9pPr>
           </a:lstStyle>
           <a:p>
@@ -2096,7 +2096,7 @@
           <a:p>
             <a:fld id="{3B850EE8-32B1-4F57-8AA4-503520AF871D}" type="datetimeFigureOut">
               <a:rPr lang="es-MX" smtClean="0"/>
-              <a:t>27/05/2022</a:t>
+              <a:t>29/05/2022</a:t>
             </a:fld>
             <a:endParaRPr lang="es-MX"/>
           </a:p>
@@ -2147,7 +2147,7 @@
     </p:spTree>
     <p:extLst>
       <p:ext uri="{BB962C8B-B14F-4D97-AF65-F5344CB8AC3E}">
-        <p14:creationId xmlns:p14="http://schemas.microsoft.com/office/powerpoint/2010/main" val="2999441727"/>
+        <p14:creationId xmlns:p14="http://schemas.microsoft.com/office/powerpoint/2010/main" val="1773082273"/>
       </p:ext>
     </p:extLst>
   </p:cSld>
@@ -2186,15 +2186,15 @@
         </p:nvSpPr>
         <p:spPr>
           <a:xfrm>
-            <a:off x="669534" y="552027"/>
-            <a:ext cx="3135038" cy="1932093"/>
+            <a:off x="570356" y="528002"/>
+            <a:ext cx="2670645" cy="1848009"/>
           </a:xfrm>
         </p:spPr>
         <p:txBody>
           <a:bodyPr anchor="b"/>
           <a:lstStyle>
             <a:lvl1pPr>
-              <a:defRPr sz="3402"/>
+              <a:defRPr sz="2898"/>
             </a:lvl1pPr>
           </a:lstStyle>
           <a:p>
@@ -2218,8 +2218,8 @@
         </p:nvSpPr>
         <p:spPr>
           <a:xfrm>
-            <a:off x="4132378" y="1192226"/>
-            <a:ext cx="4920883" cy="5884451"/>
+            <a:off x="3520248" y="1140341"/>
+            <a:ext cx="4191953" cy="5628360"/>
           </a:xfrm>
         </p:spPr>
         <p:txBody>
@@ -2227,39 +2227,39 @@
           <a:lstStyle>
             <a:lvl1pPr marL="0" indent="0">
               <a:buNone/>
-              <a:defRPr sz="3402"/>
+              <a:defRPr sz="2898"/>
             </a:lvl1pPr>
-            <a:lvl2pPr marL="486004" indent="0">
-              <a:buNone/>
-              <a:defRPr sz="2976"/>
+            <a:lvl2pPr marL="414040" indent="0">
+              <a:buNone/>
+              <a:defRPr sz="2536"/>
             </a:lvl2pPr>
-            <a:lvl3pPr marL="972007" indent="0">
-              <a:buNone/>
-              <a:defRPr sz="2551"/>
+            <a:lvl3pPr marL="828081" indent="0">
+              <a:buNone/>
+              <a:defRPr sz="2173"/>
             </a:lvl3pPr>
-            <a:lvl4pPr marL="1458011" indent="0">
-              <a:buNone/>
-              <a:defRPr sz="2126"/>
+            <a:lvl4pPr marL="1242121" indent="0">
+              <a:buNone/>
+              <a:defRPr sz="1811"/>
             </a:lvl4pPr>
-            <a:lvl5pPr marL="1944014" indent="0">
-              <a:buNone/>
-              <a:defRPr sz="2126"/>
+            <a:lvl5pPr marL="1656161" indent="0">
+              <a:buNone/>
+              <a:defRPr sz="1811"/>
             </a:lvl5pPr>
-            <a:lvl6pPr marL="2430018" indent="0">
-              <a:buNone/>
-              <a:defRPr sz="2126"/>
+            <a:lvl6pPr marL="2070202" indent="0">
+              <a:buNone/>
+              <a:defRPr sz="1811"/>
             </a:lvl6pPr>
-            <a:lvl7pPr marL="2916022" indent="0">
-              <a:buNone/>
-              <a:defRPr sz="2126"/>
+            <a:lvl7pPr marL="2484242" indent="0">
+              <a:buNone/>
+              <a:defRPr sz="1811"/>
             </a:lvl7pPr>
-            <a:lvl8pPr marL="3402025" indent="0">
-              <a:buNone/>
-              <a:defRPr sz="2126"/>
+            <a:lvl8pPr marL="2898282" indent="0">
+              <a:buNone/>
+              <a:defRPr sz="1811"/>
             </a:lvl8pPr>
-            <a:lvl9pPr marL="3888029" indent="0">
-              <a:buNone/>
-              <a:defRPr sz="2126"/>
+            <a:lvl9pPr marL="3312323" indent="0">
+              <a:buNone/>
+              <a:defRPr sz="1811"/>
             </a:lvl9pPr>
           </a:lstStyle>
           <a:p>
@@ -2283,8 +2283,8 @@
         </p:nvSpPr>
         <p:spPr>
           <a:xfrm>
-            <a:off x="669534" y="2484120"/>
-            <a:ext cx="3135038" cy="4602140"/>
+            <a:off x="570356" y="2376011"/>
+            <a:ext cx="2670645" cy="4401855"/>
           </a:xfrm>
         </p:spPr>
         <p:txBody>
@@ -2292,39 +2292,39 @@
           <a:lstStyle>
             <a:lvl1pPr marL="0" indent="0">
               <a:buNone/>
-              <a:defRPr sz="1701"/>
+              <a:defRPr sz="1449"/>
             </a:lvl1pPr>
-            <a:lvl2pPr marL="486004" indent="0">
-              <a:buNone/>
-              <a:defRPr sz="1488"/>
+            <a:lvl2pPr marL="414040" indent="0">
+              <a:buNone/>
+              <a:defRPr sz="1268"/>
             </a:lvl2pPr>
-            <a:lvl3pPr marL="972007" indent="0">
-              <a:buNone/>
-              <a:defRPr sz="1276"/>
+            <a:lvl3pPr marL="828081" indent="0">
+              <a:buNone/>
+              <a:defRPr sz="1087"/>
             </a:lvl3pPr>
-            <a:lvl4pPr marL="1458011" indent="0">
-              <a:buNone/>
-              <a:defRPr sz="1063"/>
+            <a:lvl4pPr marL="1242121" indent="0">
+              <a:buNone/>
+              <a:defRPr sz="906"/>
             </a:lvl4pPr>
-            <a:lvl5pPr marL="1944014" indent="0">
-              <a:buNone/>
-              <a:defRPr sz="1063"/>
+            <a:lvl5pPr marL="1656161" indent="0">
+              <a:buNone/>
+              <a:defRPr sz="906"/>
             </a:lvl5pPr>
-            <a:lvl6pPr marL="2430018" indent="0">
-              <a:buNone/>
-              <a:defRPr sz="1063"/>
+            <a:lvl6pPr marL="2070202" indent="0">
+              <a:buNone/>
+              <a:defRPr sz="906"/>
             </a:lvl6pPr>
-            <a:lvl7pPr marL="2916022" indent="0">
-              <a:buNone/>
-              <a:defRPr sz="1063"/>
+            <a:lvl7pPr marL="2484242" indent="0">
+              <a:buNone/>
+              <a:defRPr sz="906"/>
             </a:lvl7pPr>
-            <a:lvl8pPr marL="3402025" indent="0">
-              <a:buNone/>
-              <a:defRPr sz="1063"/>
+            <a:lvl8pPr marL="2898282" indent="0">
+              <a:buNone/>
+              <a:defRPr sz="906"/>
             </a:lvl8pPr>
-            <a:lvl9pPr marL="3888029" indent="0">
-              <a:buNone/>
-              <a:defRPr sz="1063"/>
+            <a:lvl9pPr marL="3312323" indent="0">
+              <a:buNone/>
+              <a:defRPr sz="906"/>
             </a:lvl9pPr>
           </a:lstStyle>
           <a:p>
@@ -2353,7 +2353,7 @@
           <a:p>
             <a:fld id="{3B850EE8-32B1-4F57-8AA4-503520AF871D}" type="datetimeFigureOut">
               <a:rPr lang="es-MX" smtClean="0"/>
-              <a:t>27/05/2022</a:t>
+              <a:t>29/05/2022</a:t>
             </a:fld>
             <a:endParaRPr lang="es-MX"/>
           </a:p>
@@ -2404,7 +2404,7 @@
     </p:spTree>
     <p:extLst>
       <p:ext uri="{BB962C8B-B14F-4D97-AF65-F5344CB8AC3E}">
-        <p14:creationId xmlns:p14="http://schemas.microsoft.com/office/powerpoint/2010/main" val="732823697"/>
+        <p14:creationId xmlns:p14="http://schemas.microsoft.com/office/powerpoint/2010/main" val="2907370615"/>
       </p:ext>
     </p:extLst>
   </p:cSld>
@@ -2448,8 +2448,8 @@
         </p:nvSpPr>
         <p:spPr>
           <a:xfrm>
-            <a:off x="668268" y="440856"/>
-            <a:ext cx="8383727" cy="1600495"/>
+            <a:off x="569278" y="421671"/>
+            <a:ext cx="7141845" cy="1530841"/>
           </a:xfrm>
           <a:prstGeom prst="rect">
             <a:avLst/>
@@ -2481,8 +2481,8 @@
         </p:nvSpPr>
         <p:spPr>
           <a:xfrm>
-            <a:off x="668268" y="2204273"/>
-            <a:ext cx="8383727" cy="5253838"/>
+            <a:off x="569278" y="2108344"/>
+            <a:ext cx="7141845" cy="5025191"/>
           </a:xfrm>
           <a:prstGeom prst="rect">
             <a:avLst/>
@@ -2543,8 +2543,8 @@
         </p:nvSpPr>
         <p:spPr>
           <a:xfrm>
-            <a:off x="668268" y="7674706"/>
-            <a:ext cx="2187059" cy="440855"/>
+            <a:off x="569278" y="7340703"/>
+            <a:ext cx="1863090" cy="421669"/>
           </a:xfrm>
           <a:prstGeom prst="rect">
             <a:avLst/>
@@ -2554,7 +2554,7 @@
           <a:bodyPr vert="horz" lIns="91440" tIns="45720" rIns="91440" bIns="45720" rtlCol="0" anchor="ctr"/>
           <a:lstStyle>
             <a:lvl1pPr algn="l">
-              <a:defRPr sz="1276">
+              <a:defRPr sz="1087">
                 <a:solidFill>
                   <a:schemeClr val="tx1">
                     <a:tint val="75000"/>
@@ -2566,7 +2566,7 @@
           <a:p>
             <a:fld id="{3B850EE8-32B1-4F57-8AA4-503520AF871D}" type="datetimeFigureOut">
               <a:rPr lang="es-MX" smtClean="0"/>
-              <a:t>27/05/2022</a:t>
+              <a:t>29/05/2022</a:t>
             </a:fld>
             <a:endParaRPr lang="es-MX"/>
           </a:p>
@@ -2584,8 +2584,8 @@
         </p:nvSpPr>
         <p:spPr>
           <a:xfrm>
-            <a:off x="3219837" y="7674706"/>
-            <a:ext cx="3280589" cy="440855"/>
+            <a:off x="2742883" y="7340703"/>
+            <a:ext cx="2794635" cy="421669"/>
           </a:xfrm>
           <a:prstGeom prst="rect">
             <a:avLst/>
@@ -2595,7 +2595,7 @@
           <a:bodyPr vert="horz" lIns="91440" tIns="45720" rIns="91440" bIns="45720" rtlCol="0" anchor="ctr"/>
           <a:lstStyle>
             <a:lvl1pPr algn="ctr">
-              <a:defRPr sz="1276">
+              <a:defRPr sz="1087">
                 <a:solidFill>
                   <a:schemeClr val="tx1">
                     <a:tint val="75000"/>
@@ -2621,8 +2621,8 @@
         </p:nvSpPr>
         <p:spPr>
           <a:xfrm>
-            <a:off x="6864936" y="7674706"/>
-            <a:ext cx="2187059" cy="440855"/>
+            <a:off x="5848033" y="7340703"/>
+            <a:ext cx="1863090" cy="421669"/>
           </a:xfrm>
           <a:prstGeom prst="rect">
             <a:avLst/>
@@ -2632,7 +2632,7 @@
           <a:bodyPr vert="horz" lIns="91440" tIns="45720" rIns="91440" bIns="45720" rtlCol="0" anchor="ctr"/>
           <a:lstStyle>
             <a:lvl1pPr algn="r">
-              <a:defRPr sz="1276">
+              <a:defRPr sz="1087">
                 <a:solidFill>
                   <a:schemeClr val="tx1">
                     <a:tint val="75000"/>
@@ -2653,27 +2653,27 @@
     </p:spTree>
     <p:extLst>
       <p:ext uri="{BB962C8B-B14F-4D97-AF65-F5344CB8AC3E}">
-        <p14:creationId xmlns:p14="http://schemas.microsoft.com/office/powerpoint/2010/main" val="3107355599"/>
+        <p14:creationId xmlns:p14="http://schemas.microsoft.com/office/powerpoint/2010/main" val="3814825729"/>
       </p:ext>
     </p:extLst>
   </p:cSld>
   <p:clrMap bg1="lt1" tx1="dk1" bg2="lt2" tx2="dk2" accent1="accent1" accent2="accent2" accent3="accent3" accent4="accent4" accent5="accent5" accent6="accent6" hlink="hlink" folHlink="folHlink"/>
   <p:sldLayoutIdLst>
-    <p:sldLayoutId id="2147483673" r:id="rId1"/>
-    <p:sldLayoutId id="2147483674" r:id="rId2"/>
-    <p:sldLayoutId id="2147483675" r:id="rId3"/>
-    <p:sldLayoutId id="2147483676" r:id="rId4"/>
-    <p:sldLayoutId id="2147483677" r:id="rId5"/>
-    <p:sldLayoutId id="2147483678" r:id="rId6"/>
-    <p:sldLayoutId id="2147483679" r:id="rId7"/>
-    <p:sldLayoutId id="2147483680" r:id="rId8"/>
-    <p:sldLayoutId id="2147483681" r:id="rId9"/>
-    <p:sldLayoutId id="2147483682" r:id="rId10"/>
-    <p:sldLayoutId id="2147483683" r:id="rId11"/>
+    <p:sldLayoutId id="2147483685" r:id="rId1"/>
+    <p:sldLayoutId id="2147483686" r:id="rId2"/>
+    <p:sldLayoutId id="2147483687" r:id="rId3"/>
+    <p:sldLayoutId id="2147483688" r:id="rId4"/>
+    <p:sldLayoutId id="2147483689" r:id="rId5"/>
+    <p:sldLayoutId id="2147483690" r:id="rId6"/>
+    <p:sldLayoutId id="2147483691" r:id="rId7"/>
+    <p:sldLayoutId id="2147483692" r:id="rId8"/>
+    <p:sldLayoutId id="2147483693" r:id="rId9"/>
+    <p:sldLayoutId id="2147483694" r:id="rId10"/>
+    <p:sldLayoutId id="2147483695" r:id="rId11"/>
   </p:sldLayoutIdLst>
   <p:txStyles>
     <p:titleStyle>
-      <a:lvl1pPr algn="l" defTabSz="972007" rtl="0" eaLnBrk="1" latinLnBrk="0" hangingPunct="1">
+      <a:lvl1pPr algn="l" defTabSz="828081" rtl="0" eaLnBrk="1" latinLnBrk="0" hangingPunct="1">
         <a:lnSpc>
           <a:spcPct val="90000"/>
         </a:lnSpc>
@@ -2681,7 +2681,7 @@
           <a:spcPct val="0"/>
         </a:spcBef>
         <a:buNone/>
-        <a:defRPr sz="4677" kern="1200">
+        <a:defRPr sz="3985" kern="1200">
           <a:solidFill>
             <a:schemeClr val="tx1"/>
           </a:solidFill>
@@ -2692,16 +2692,16 @@
       </a:lvl1pPr>
     </p:titleStyle>
     <p:bodyStyle>
-      <a:lvl1pPr marL="243002" indent="-243002" algn="l" defTabSz="972007" rtl="0" eaLnBrk="1" latinLnBrk="0" hangingPunct="1">
+      <a:lvl1pPr marL="207020" indent="-207020" algn="l" defTabSz="828081" rtl="0" eaLnBrk="1" latinLnBrk="0" hangingPunct="1">
         <a:lnSpc>
           <a:spcPct val="90000"/>
         </a:lnSpc>
         <a:spcBef>
-          <a:spcPts val="1063"/>
+          <a:spcPts val="906"/>
         </a:spcBef>
         <a:buFont typeface="Arial" panose="020B0604020202020204" pitchFamily="34" charset="0"/>
         <a:buChar char="•"/>
-        <a:defRPr sz="2976" kern="1200">
+        <a:defRPr sz="2536" kern="1200">
           <a:solidFill>
             <a:schemeClr val="tx1"/>
           </a:solidFill>
@@ -2710,16 +2710,16 @@
           <a:cs typeface="+mn-cs"/>
         </a:defRPr>
       </a:lvl1pPr>
-      <a:lvl2pPr marL="729005" indent="-243002" algn="l" defTabSz="972007" rtl="0" eaLnBrk="1" latinLnBrk="0" hangingPunct="1">
+      <a:lvl2pPr marL="621060" indent="-207020" algn="l" defTabSz="828081" rtl="0" eaLnBrk="1" latinLnBrk="0" hangingPunct="1">
         <a:lnSpc>
           <a:spcPct val="90000"/>
         </a:lnSpc>
         <a:spcBef>
-          <a:spcPts val="532"/>
+          <a:spcPts val="453"/>
         </a:spcBef>
         <a:buFont typeface="Arial" panose="020B0604020202020204" pitchFamily="34" charset="0"/>
         <a:buChar char="•"/>
-        <a:defRPr sz="2551" kern="1200">
+        <a:defRPr sz="2173" kern="1200">
           <a:solidFill>
             <a:schemeClr val="tx1"/>
           </a:solidFill>
@@ -2728,16 +2728,16 @@
           <a:cs typeface="+mn-cs"/>
         </a:defRPr>
       </a:lvl2pPr>
-      <a:lvl3pPr marL="1215009" indent="-243002" algn="l" defTabSz="972007" rtl="0" eaLnBrk="1" latinLnBrk="0" hangingPunct="1">
+      <a:lvl3pPr marL="1035101" indent="-207020" algn="l" defTabSz="828081" rtl="0" eaLnBrk="1" latinLnBrk="0" hangingPunct="1">
         <a:lnSpc>
           <a:spcPct val="90000"/>
         </a:lnSpc>
         <a:spcBef>
-          <a:spcPts val="532"/>
+          <a:spcPts val="453"/>
         </a:spcBef>
         <a:buFont typeface="Arial" panose="020B0604020202020204" pitchFamily="34" charset="0"/>
         <a:buChar char="•"/>
-        <a:defRPr sz="2126" kern="1200">
+        <a:defRPr sz="1811" kern="1200">
           <a:solidFill>
             <a:schemeClr val="tx1"/>
           </a:solidFill>
@@ -2746,16 +2746,16 @@
           <a:cs typeface="+mn-cs"/>
         </a:defRPr>
       </a:lvl3pPr>
-      <a:lvl4pPr marL="1701013" indent="-243002" algn="l" defTabSz="972007" rtl="0" eaLnBrk="1" latinLnBrk="0" hangingPunct="1">
+      <a:lvl4pPr marL="1449141" indent="-207020" algn="l" defTabSz="828081" rtl="0" eaLnBrk="1" latinLnBrk="0" hangingPunct="1">
         <a:lnSpc>
           <a:spcPct val="90000"/>
         </a:lnSpc>
         <a:spcBef>
-          <a:spcPts val="532"/>
+          <a:spcPts val="453"/>
         </a:spcBef>
         <a:buFont typeface="Arial" panose="020B0604020202020204" pitchFamily="34" charset="0"/>
         <a:buChar char="•"/>
-        <a:defRPr sz="1913" kern="1200">
+        <a:defRPr sz="1630" kern="1200">
           <a:solidFill>
             <a:schemeClr val="tx1"/>
           </a:solidFill>
@@ -2764,16 +2764,16 @@
           <a:cs typeface="+mn-cs"/>
         </a:defRPr>
       </a:lvl4pPr>
-      <a:lvl5pPr marL="2187016" indent="-243002" algn="l" defTabSz="972007" rtl="0" eaLnBrk="1" latinLnBrk="0" hangingPunct="1">
+      <a:lvl5pPr marL="1863181" indent="-207020" algn="l" defTabSz="828081" rtl="0" eaLnBrk="1" latinLnBrk="0" hangingPunct="1">
         <a:lnSpc>
           <a:spcPct val="90000"/>
         </a:lnSpc>
         <a:spcBef>
-          <a:spcPts val="532"/>
+          <a:spcPts val="453"/>
         </a:spcBef>
         <a:buFont typeface="Arial" panose="020B0604020202020204" pitchFamily="34" charset="0"/>
         <a:buChar char="•"/>
-        <a:defRPr sz="1913" kern="1200">
+        <a:defRPr sz="1630" kern="1200">
           <a:solidFill>
             <a:schemeClr val="tx1"/>
           </a:solidFill>
@@ -2782,16 +2782,16 @@
           <a:cs typeface="+mn-cs"/>
         </a:defRPr>
       </a:lvl5pPr>
-      <a:lvl6pPr marL="2673020" indent="-243002" algn="l" defTabSz="972007" rtl="0" eaLnBrk="1" latinLnBrk="0" hangingPunct="1">
+      <a:lvl6pPr marL="2277222" indent="-207020" algn="l" defTabSz="828081" rtl="0" eaLnBrk="1" latinLnBrk="0" hangingPunct="1">
         <a:lnSpc>
           <a:spcPct val="90000"/>
         </a:lnSpc>
         <a:spcBef>
-          <a:spcPts val="532"/>
+          <a:spcPts val="453"/>
         </a:spcBef>
         <a:buFont typeface="Arial" panose="020B0604020202020204" pitchFamily="34" charset="0"/>
         <a:buChar char="•"/>
-        <a:defRPr sz="1913" kern="1200">
+        <a:defRPr sz="1630" kern="1200">
           <a:solidFill>
             <a:schemeClr val="tx1"/>
           </a:solidFill>
@@ -2800,16 +2800,16 @@
           <a:cs typeface="+mn-cs"/>
         </a:defRPr>
       </a:lvl6pPr>
-      <a:lvl7pPr marL="3159023" indent="-243002" algn="l" defTabSz="972007" rtl="0" eaLnBrk="1" latinLnBrk="0" hangingPunct="1">
+      <a:lvl7pPr marL="2691262" indent="-207020" algn="l" defTabSz="828081" rtl="0" eaLnBrk="1" latinLnBrk="0" hangingPunct="1">
         <a:lnSpc>
           <a:spcPct val="90000"/>
         </a:lnSpc>
         <a:spcBef>
-          <a:spcPts val="532"/>
+          <a:spcPts val="453"/>
         </a:spcBef>
         <a:buFont typeface="Arial" panose="020B0604020202020204" pitchFamily="34" charset="0"/>
         <a:buChar char="•"/>
-        <a:defRPr sz="1913" kern="1200">
+        <a:defRPr sz="1630" kern="1200">
           <a:solidFill>
             <a:schemeClr val="tx1"/>
           </a:solidFill>
@@ -2818,16 +2818,16 @@
           <a:cs typeface="+mn-cs"/>
         </a:defRPr>
       </a:lvl7pPr>
-      <a:lvl8pPr marL="3645027" indent="-243002" algn="l" defTabSz="972007" rtl="0" eaLnBrk="1" latinLnBrk="0" hangingPunct="1">
+      <a:lvl8pPr marL="3105302" indent="-207020" algn="l" defTabSz="828081" rtl="0" eaLnBrk="1" latinLnBrk="0" hangingPunct="1">
         <a:lnSpc>
           <a:spcPct val="90000"/>
         </a:lnSpc>
         <a:spcBef>
-          <a:spcPts val="532"/>
+          <a:spcPts val="453"/>
         </a:spcBef>
         <a:buFont typeface="Arial" panose="020B0604020202020204" pitchFamily="34" charset="0"/>
         <a:buChar char="•"/>
-        <a:defRPr sz="1913" kern="1200">
+        <a:defRPr sz="1630" kern="1200">
           <a:solidFill>
             <a:schemeClr val="tx1"/>
           </a:solidFill>
@@ -2836,16 +2836,16 @@
           <a:cs typeface="+mn-cs"/>
         </a:defRPr>
       </a:lvl8pPr>
-      <a:lvl9pPr marL="4131031" indent="-243002" algn="l" defTabSz="972007" rtl="0" eaLnBrk="1" latinLnBrk="0" hangingPunct="1">
+      <a:lvl9pPr marL="3519343" indent="-207020" algn="l" defTabSz="828081" rtl="0" eaLnBrk="1" latinLnBrk="0" hangingPunct="1">
         <a:lnSpc>
           <a:spcPct val="90000"/>
         </a:lnSpc>
         <a:spcBef>
-          <a:spcPts val="532"/>
+          <a:spcPts val="453"/>
         </a:spcBef>
         <a:buFont typeface="Arial" panose="020B0604020202020204" pitchFamily="34" charset="0"/>
         <a:buChar char="•"/>
-        <a:defRPr sz="1913" kern="1200">
+        <a:defRPr sz="1630" kern="1200">
           <a:solidFill>
             <a:schemeClr val="tx1"/>
           </a:solidFill>
@@ -2859,8 +2859,8 @@
       <a:defPPr>
         <a:defRPr lang="en-US"/>
       </a:defPPr>
-      <a:lvl1pPr marL="0" algn="l" defTabSz="972007" rtl="0" eaLnBrk="1" latinLnBrk="0" hangingPunct="1">
-        <a:defRPr sz="1913" kern="1200">
+      <a:lvl1pPr marL="0" algn="l" defTabSz="828081" rtl="0" eaLnBrk="1" latinLnBrk="0" hangingPunct="1">
+        <a:defRPr sz="1630" kern="1200">
           <a:solidFill>
             <a:schemeClr val="tx1"/>
           </a:solidFill>
@@ -2869,8 +2869,8 @@
           <a:cs typeface="+mn-cs"/>
         </a:defRPr>
       </a:lvl1pPr>
-      <a:lvl2pPr marL="486004" algn="l" defTabSz="972007" rtl="0" eaLnBrk="1" latinLnBrk="0" hangingPunct="1">
-        <a:defRPr sz="1913" kern="1200">
+      <a:lvl2pPr marL="414040" algn="l" defTabSz="828081" rtl="0" eaLnBrk="1" latinLnBrk="0" hangingPunct="1">
+        <a:defRPr sz="1630" kern="1200">
           <a:solidFill>
             <a:schemeClr val="tx1"/>
           </a:solidFill>
@@ -2879,8 +2879,8 @@
           <a:cs typeface="+mn-cs"/>
         </a:defRPr>
       </a:lvl2pPr>
-      <a:lvl3pPr marL="972007" algn="l" defTabSz="972007" rtl="0" eaLnBrk="1" latinLnBrk="0" hangingPunct="1">
-        <a:defRPr sz="1913" kern="1200">
+      <a:lvl3pPr marL="828081" algn="l" defTabSz="828081" rtl="0" eaLnBrk="1" latinLnBrk="0" hangingPunct="1">
+        <a:defRPr sz="1630" kern="1200">
           <a:solidFill>
             <a:schemeClr val="tx1"/>
           </a:solidFill>
@@ -2889,8 +2889,8 @@
           <a:cs typeface="+mn-cs"/>
         </a:defRPr>
       </a:lvl3pPr>
-      <a:lvl4pPr marL="1458011" algn="l" defTabSz="972007" rtl="0" eaLnBrk="1" latinLnBrk="0" hangingPunct="1">
-        <a:defRPr sz="1913" kern="1200">
+      <a:lvl4pPr marL="1242121" algn="l" defTabSz="828081" rtl="0" eaLnBrk="1" latinLnBrk="0" hangingPunct="1">
+        <a:defRPr sz="1630" kern="1200">
           <a:solidFill>
             <a:schemeClr val="tx1"/>
           </a:solidFill>
@@ -2899,8 +2899,8 @@
           <a:cs typeface="+mn-cs"/>
         </a:defRPr>
       </a:lvl4pPr>
-      <a:lvl5pPr marL="1944014" algn="l" defTabSz="972007" rtl="0" eaLnBrk="1" latinLnBrk="0" hangingPunct="1">
-        <a:defRPr sz="1913" kern="1200">
+      <a:lvl5pPr marL="1656161" algn="l" defTabSz="828081" rtl="0" eaLnBrk="1" latinLnBrk="0" hangingPunct="1">
+        <a:defRPr sz="1630" kern="1200">
           <a:solidFill>
             <a:schemeClr val="tx1"/>
           </a:solidFill>
@@ -2909,8 +2909,8 @@
           <a:cs typeface="+mn-cs"/>
         </a:defRPr>
       </a:lvl5pPr>
-      <a:lvl6pPr marL="2430018" algn="l" defTabSz="972007" rtl="0" eaLnBrk="1" latinLnBrk="0" hangingPunct="1">
-        <a:defRPr sz="1913" kern="1200">
+      <a:lvl6pPr marL="2070202" algn="l" defTabSz="828081" rtl="0" eaLnBrk="1" latinLnBrk="0" hangingPunct="1">
+        <a:defRPr sz="1630" kern="1200">
           <a:solidFill>
             <a:schemeClr val="tx1"/>
           </a:solidFill>
@@ -2919,8 +2919,8 @@
           <a:cs typeface="+mn-cs"/>
         </a:defRPr>
       </a:lvl6pPr>
-      <a:lvl7pPr marL="2916022" algn="l" defTabSz="972007" rtl="0" eaLnBrk="1" latinLnBrk="0" hangingPunct="1">
-        <a:defRPr sz="1913" kern="1200">
+      <a:lvl7pPr marL="2484242" algn="l" defTabSz="828081" rtl="0" eaLnBrk="1" latinLnBrk="0" hangingPunct="1">
+        <a:defRPr sz="1630" kern="1200">
           <a:solidFill>
             <a:schemeClr val="tx1"/>
           </a:solidFill>
@@ -2929,8 +2929,8 @@
           <a:cs typeface="+mn-cs"/>
         </a:defRPr>
       </a:lvl7pPr>
-      <a:lvl8pPr marL="3402025" algn="l" defTabSz="972007" rtl="0" eaLnBrk="1" latinLnBrk="0" hangingPunct="1">
-        <a:defRPr sz="1913" kern="1200">
+      <a:lvl8pPr marL="2898282" algn="l" defTabSz="828081" rtl="0" eaLnBrk="1" latinLnBrk="0" hangingPunct="1">
+        <a:defRPr sz="1630" kern="1200">
           <a:solidFill>
             <a:schemeClr val="tx1"/>
           </a:solidFill>
@@ -2939,8 +2939,8 @@
           <a:cs typeface="+mn-cs"/>
         </a:defRPr>
       </a:lvl8pPr>
-      <a:lvl9pPr marL="3888029" algn="l" defTabSz="972007" rtl="0" eaLnBrk="1" latinLnBrk="0" hangingPunct="1">
-        <a:defRPr sz="1913" kern="1200">
+      <a:lvl9pPr marL="3312323" algn="l" defTabSz="828081" rtl="0" eaLnBrk="1" latinLnBrk="0" hangingPunct="1">
+        <a:defRPr sz="1630" kern="1200">
           <a:solidFill>
             <a:schemeClr val="tx1"/>
           </a:solidFill>
@@ -2973,18 +2973,47 @@
       </p:grpSpPr>
       <p:grpSp>
         <p:nvGrpSpPr>
-          <p:cNvPr id="8" name="Grupo 7"/>
+          <p:cNvPr id="12" name="Grupo 11"/>
           <p:cNvGrpSpPr/>
           <p:nvPr/>
         </p:nvGrpSpPr>
         <p:grpSpPr>
           <a:xfrm>
-            <a:off x="99060" y="23592"/>
-            <a:ext cx="9567393" cy="8115425"/>
-            <a:chOff x="2583411" y="3035371"/>
-            <a:chExt cx="9567393" cy="8115426"/>
+            <a:off x="160007" y="169816"/>
+            <a:ext cx="7946967" cy="7637723"/>
+            <a:chOff x="996832" y="581890"/>
+            <a:chExt cx="7946967" cy="7637723"/>
           </a:xfrm>
         </p:grpSpPr>
+        <p:pic>
+          <p:nvPicPr>
+            <p:cNvPr id="10" name="Imagen 9"/>
+            <p:cNvPicPr>
+              <a:picLocks noChangeAspect="1"/>
+            </p:cNvPicPr>
+            <p:nvPr/>
+          </p:nvPicPr>
+          <p:blipFill rotWithShape="1">
+            <a:blip r:embed="rId2" cstate="print">
+              <a:extLst>
+                <a:ext uri="{28A0092B-C50C-407E-A947-70E740481C1C}">
+                  <a14:useLocalDpi xmlns:a14="http://schemas.microsoft.com/office/drawing/2010/main" val="0"/>
+                </a:ext>
+              </a:extLst>
+            </a:blip>
+            <a:srcRect l="53787" t="4693" r="4341"/>
+            <a:stretch/>
+          </p:blipFill>
+          <p:spPr>
+            <a:xfrm>
+              <a:off x="4937756" y="581891"/>
+              <a:ext cx="4006043" cy="7407499"/>
+            </a:xfrm>
+            <a:prstGeom prst="rect">
+              <a:avLst/>
+            </a:prstGeom>
+          </p:spPr>
+        </p:pic>
         <p:pic>
           <p:nvPicPr>
             <p:cNvPr id="2" name="Imagen 1"/>
@@ -2993,7 +3022,7 @@
             </p:cNvPicPr>
             <p:nvPr/>
           </p:nvPicPr>
-          <p:blipFill>
+          <p:blipFill rotWithShape="1">
             <a:blip r:embed="rId2" cstate="print">
               <a:extLst>
                 <a:ext uri="{28A0092B-C50C-407E-A947-70E740481C1C}">
@@ -3001,14 +3030,13 @@
                 </a:ext>
               </a:extLst>
             </a:blip>
-            <a:stretch>
-              <a:fillRect/>
-            </a:stretch>
+            <a:srcRect l="3649" t="4695" r="54812"/>
+            <a:stretch/>
           </p:blipFill>
           <p:spPr>
             <a:xfrm>
-              <a:off x="2583411" y="3035371"/>
-              <a:ext cx="9567393" cy="7772400"/>
+              <a:off x="996832" y="581890"/>
+              <a:ext cx="3974176" cy="7407501"/>
             </a:xfrm>
             <a:prstGeom prst="rect">
               <a:avLst/>
@@ -3036,8 +3064,8 @@
           </p:blipFill>
           <p:spPr>
             <a:xfrm>
-              <a:off x="4230872" y="10023997"/>
-              <a:ext cx="1809612" cy="1126800"/>
+              <a:off x="2289070" y="7139613"/>
+              <a:ext cx="1734452" cy="1080000"/>
             </a:xfrm>
             <a:prstGeom prst="rect">
               <a:avLst/>
@@ -3065,7 +3093,7 @@
           </p:blipFill>
           <p:spPr>
             <a:xfrm>
-              <a:off x="4257990" y="7627605"/>
+              <a:off x="2289070" y="4798247"/>
               <a:ext cx="1696857" cy="981590"/>
             </a:xfrm>
             <a:prstGeom prst="rect">
@@ -3094,8 +3122,8 @@
           </p:blipFill>
           <p:spPr>
             <a:xfrm>
-              <a:off x="9529011" y="5021178"/>
-              <a:ext cx="754795" cy="1126800"/>
+              <a:off x="6755191" y="2227560"/>
+              <a:ext cx="723446" cy="1080000"/>
             </a:xfrm>
             <a:prstGeom prst="rect">
               <a:avLst/>
@@ -3123,7 +3151,7 @@
           </p:blipFill>
           <p:spPr>
             <a:xfrm>
-              <a:off x="4538312" y="4989094"/>
+              <a:off x="2555899" y="2180262"/>
               <a:ext cx="1194733" cy="1127457"/>
             </a:xfrm>
             <a:prstGeom prst="rect">
@@ -3139,7 +3167,7 @@
           </p:nvSpPr>
           <p:spPr>
             <a:xfrm>
-              <a:off x="8919492" y="10380004"/>
+              <a:off x="5944949" y="7510599"/>
               <a:ext cx="2249334" cy="646331"/>
             </a:xfrm>
             <a:prstGeom prst="rect">
@@ -3163,37 +3191,37 @@
             </a:p>
           </p:txBody>
         </p:sp>
+        <p:pic>
+          <p:nvPicPr>
+            <p:cNvPr id="9" name="Imagen 8"/>
+            <p:cNvPicPr>
+              <a:picLocks noChangeAspect="1"/>
+            </p:cNvPicPr>
+            <p:nvPr/>
+          </p:nvPicPr>
+          <p:blipFill>
+            <a:blip r:embed="rId7" cstate="print">
+              <a:extLst>
+                <a:ext uri="{28A0092B-C50C-407E-A947-70E740481C1C}">
+                  <a14:useLocalDpi xmlns:a14="http://schemas.microsoft.com/office/drawing/2010/main" val="0"/>
+                </a:ext>
+              </a:extLst>
+            </a:blip>
+            <a:stretch>
+              <a:fillRect/>
+            </a:stretch>
+          </p:blipFill>
+          <p:spPr>
+            <a:xfrm>
+              <a:off x="6454235" y="4682406"/>
+              <a:ext cx="1301585" cy="1126800"/>
+            </a:xfrm>
+            <a:prstGeom prst="rect">
+              <a:avLst/>
+            </a:prstGeom>
+          </p:spPr>
+        </p:pic>
       </p:grpSp>
-      <p:pic>
-        <p:nvPicPr>
-          <p:cNvPr id="9" name="Imagen 8"/>
-          <p:cNvPicPr>
-            <a:picLocks noChangeAspect="1"/>
-          </p:cNvPicPr>
-          <p:nvPr/>
-        </p:nvPicPr>
-        <p:blipFill>
-          <a:blip r:embed="rId7" cstate="print">
-            <a:extLst>
-              <a:ext uri="{28A0092B-C50C-407E-A947-70E740481C1C}">
-                <a14:useLocalDpi xmlns:a14="http://schemas.microsoft.com/office/drawing/2010/main" val="0"/>
-              </a:ext>
-            </a:extLst>
-          </a:blip>
-          <a:stretch>
-            <a:fillRect/>
-          </a:stretch>
-        </p:blipFill>
-        <p:spPr>
-          <a:xfrm>
-            <a:off x="6771264" y="4558606"/>
-            <a:ext cx="1301585" cy="1126800"/>
-          </a:xfrm>
-          <a:prstGeom prst="rect">
-            <a:avLst/>
-          </a:prstGeom>
-        </p:spPr>
-      </p:pic>
     </p:spTree>
     <p:extLst>
       <p:ext uri="{BB962C8B-B14F-4D97-AF65-F5344CB8AC3E}">

--- a/Windows/Figures/Editing_Figure6.pptx
+++ b/Windows/Figures/Editing_Figure6.pptx
@@ -243,7 +243,7 @@
           <a:p>
             <a:fld id="{3B850EE8-32B1-4F57-8AA4-503520AF871D}" type="datetimeFigureOut">
               <a:rPr lang="es-MX" smtClean="0"/>
-              <a:t>29/05/2022</a:t>
+              <a:t>03/08/2022</a:t>
             </a:fld>
             <a:endParaRPr lang="es-MX"/>
           </a:p>
@@ -413,7 +413,7 @@
           <a:p>
             <a:fld id="{3B850EE8-32B1-4F57-8AA4-503520AF871D}" type="datetimeFigureOut">
               <a:rPr lang="es-MX" smtClean="0"/>
-              <a:t>29/05/2022</a:t>
+              <a:t>03/08/2022</a:t>
             </a:fld>
             <a:endParaRPr lang="es-MX"/>
           </a:p>
@@ -593,7 +593,7 @@
           <a:p>
             <a:fld id="{3B850EE8-32B1-4F57-8AA4-503520AF871D}" type="datetimeFigureOut">
               <a:rPr lang="es-MX" smtClean="0"/>
-              <a:t>29/05/2022</a:t>
+              <a:t>03/08/2022</a:t>
             </a:fld>
             <a:endParaRPr lang="es-MX"/>
           </a:p>
@@ -763,7 +763,7 @@
           <a:p>
             <a:fld id="{3B850EE8-32B1-4F57-8AA4-503520AF871D}" type="datetimeFigureOut">
               <a:rPr lang="es-MX" smtClean="0"/>
-              <a:t>29/05/2022</a:t>
+              <a:t>03/08/2022</a:t>
             </a:fld>
             <a:endParaRPr lang="es-MX"/>
           </a:p>
@@ -1007,7 +1007,7 @@
           <a:p>
             <a:fld id="{3B850EE8-32B1-4F57-8AA4-503520AF871D}" type="datetimeFigureOut">
               <a:rPr lang="es-MX" smtClean="0"/>
-              <a:t>29/05/2022</a:t>
+              <a:t>03/08/2022</a:t>
             </a:fld>
             <a:endParaRPr lang="es-MX"/>
           </a:p>
@@ -1239,7 +1239,7 @@
           <a:p>
             <a:fld id="{3B850EE8-32B1-4F57-8AA4-503520AF871D}" type="datetimeFigureOut">
               <a:rPr lang="es-MX" smtClean="0"/>
-              <a:t>29/05/2022</a:t>
+              <a:t>03/08/2022</a:t>
             </a:fld>
             <a:endParaRPr lang="es-MX"/>
           </a:p>
@@ -1606,7 +1606,7 @@
           <a:p>
             <a:fld id="{3B850EE8-32B1-4F57-8AA4-503520AF871D}" type="datetimeFigureOut">
               <a:rPr lang="es-MX" smtClean="0"/>
-              <a:t>29/05/2022</a:t>
+              <a:t>03/08/2022</a:t>
             </a:fld>
             <a:endParaRPr lang="es-MX"/>
           </a:p>
@@ -1724,7 +1724,7 @@
           <a:p>
             <a:fld id="{3B850EE8-32B1-4F57-8AA4-503520AF871D}" type="datetimeFigureOut">
               <a:rPr lang="es-MX" smtClean="0"/>
-              <a:t>29/05/2022</a:t>
+              <a:t>03/08/2022</a:t>
             </a:fld>
             <a:endParaRPr lang="es-MX"/>
           </a:p>
@@ -1819,7 +1819,7 @@
           <a:p>
             <a:fld id="{3B850EE8-32B1-4F57-8AA4-503520AF871D}" type="datetimeFigureOut">
               <a:rPr lang="es-MX" smtClean="0"/>
-              <a:t>29/05/2022</a:t>
+              <a:t>03/08/2022</a:t>
             </a:fld>
             <a:endParaRPr lang="es-MX"/>
           </a:p>
@@ -2096,7 +2096,7 @@
           <a:p>
             <a:fld id="{3B850EE8-32B1-4F57-8AA4-503520AF871D}" type="datetimeFigureOut">
               <a:rPr lang="es-MX" smtClean="0"/>
-              <a:t>29/05/2022</a:t>
+              <a:t>03/08/2022</a:t>
             </a:fld>
             <a:endParaRPr lang="es-MX"/>
           </a:p>
@@ -2353,7 +2353,7 @@
           <a:p>
             <a:fld id="{3B850EE8-32B1-4F57-8AA4-503520AF871D}" type="datetimeFigureOut">
               <a:rPr lang="es-MX" smtClean="0"/>
-              <a:t>29/05/2022</a:t>
+              <a:t>03/08/2022</a:t>
             </a:fld>
             <a:endParaRPr lang="es-MX"/>
           </a:p>
@@ -2566,7 +2566,7 @@
           <a:p>
             <a:fld id="{3B850EE8-32B1-4F57-8AA4-503520AF871D}" type="datetimeFigureOut">
               <a:rPr lang="es-MX" smtClean="0"/>
-              <a:t>29/05/2022</a:t>
+              <a:t>03/08/2022</a:t>
             </a:fld>
             <a:endParaRPr lang="es-MX"/>
           </a:p>
@@ -2971,257 +2971,246 @@
           <a:chExt cx="0" cy="0"/>
         </a:xfrm>
       </p:grpSpPr>
-      <p:grpSp>
-        <p:nvGrpSpPr>
-          <p:cNvPr id="12" name="Grupo 11"/>
-          <p:cNvGrpSpPr/>
+      <p:pic>
+        <p:nvPicPr>
+          <p:cNvPr id="10" name="Imagen 9"/>
+          <p:cNvPicPr>
+            <a:picLocks noChangeAspect="1"/>
+          </p:cNvPicPr>
           <p:nvPr/>
-        </p:nvGrpSpPr>
-        <p:grpSpPr>
+        </p:nvPicPr>
+        <p:blipFill rotWithShape="1">
+          <a:blip r:embed="rId2" cstate="print">
+            <a:extLst>
+              <a:ext uri="{28A0092B-C50C-407E-A947-70E740481C1C}">
+                <a14:useLocalDpi xmlns:a14="http://schemas.microsoft.com/office/drawing/2010/main" val="0"/>
+              </a:ext>
+            </a:extLst>
+          </a:blip>
+          <a:srcRect l="53787" t="4693" r="4341" b="5604"/>
+          <a:stretch/>
+        </p:blipFill>
+        <p:spPr>
           <a:xfrm>
-            <a:off x="160007" y="169816"/>
-            <a:ext cx="7946967" cy="7637723"/>
-            <a:chOff x="996832" y="581890"/>
-            <a:chExt cx="7946967" cy="7637723"/>
+            <a:off x="4132463" y="847743"/>
+            <a:ext cx="4006043" cy="6971960"/>
           </a:xfrm>
-        </p:grpSpPr>
-        <p:pic>
-          <p:nvPicPr>
-            <p:cNvPr id="10" name="Imagen 9"/>
-            <p:cNvPicPr>
-              <a:picLocks noChangeAspect="1"/>
-            </p:cNvPicPr>
-            <p:nvPr/>
-          </p:nvPicPr>
-          <p:blipFill rotWithShape="1">
-            <a:blip r:embed="rId2" cstate="print">
-              <a:extLst>
-                <a:ext uri="{28A0092B-C50C-407E-A947-70E740481C1C}">
-                  <a14:useLocalDpi xmlns:a14="http://schemas.microsoft.com/office/drawing/2010/main" val="0"/>
-                </a:ext>
-              </a:extLst>
-            </a:blip>
-            <a:srcRect l="53787" t="4693" r="4341"/>
-            <a:stretch/>
-          </p:blipFill>
-          <p:spPr>
-            <a:xfrm>
-              <a:off x="4937756" y="581891"/>
-              <a:ext cx="4006043" cy="7407499"/>
-            </a:xfrm>
-            <a:prstGeom prst="rect">
-              <a:avLst/>
-            </a:prstGeom>
-          </p:spPr>
-        </p:pic>
-        <p:pic>
-          <p:nvPicPr>
-            <p:cNvPr id="2" name="Imagen 1"/>
-            <p:cNvPicPr>
-              <a:picLocks noChangeAspect="1"/>
-            </p:cNvPicPr>
-            <p:nvPr/>
-          </p:nvPicPr>
-          <p:blipFill rotWithShape="1">
-            <a:blip r:embed="rId2" cstate="print">
-              <a:extLst>
-                <a:ext uri="{28A0092B-C50C-407E-A947-70E740481C1C}">
-                  <a14:useLocalDpi xmlns:a14="http://schemas.microsoft.com/office/drawing/2010/main" val="0"/>
-                </a:ext>
-              </a:extLst>
-            </a:blip>
-            <a:srcRect l="3649" t="4695" r="54812"/>
-            <a:stretch/>
-          </p:blipFill>
-          <p:spPr>
-            <a:xfrm>
-              <a:off x="996832" y="581890"/>
-              <a:ext cx="3974176" cy="7407501"/>
-            </a:xfrm>
-            <a:prstGeom prst="rect">
-              <a:avLst/>
-            </a:prstGeom>
-          </p:spPr>
-        </p:pic>
-        <p:pic>
-          <p:nvPicPr>
-            <p:cNvPr id="3" name="Imagen 2"/>
-            <p:cNvPicPr>
-              <a:picLocks noChangeAspect="1"/>
-            </p:cNvPicPr>
-            <p:nvPr/>
-          </p:nvPicPr>
-          <p:blipFill rotWithShape="1">
-            <a:blip r:embed="rId3" cstate="print">
-              <a:extLst>
-                <a:ext uri="{28A0092B-C50C-407E-A947-70E740481C1C}">
-                  <a14:useLocalDpi xmlns:a14="http://schemas.microsoft.com/office/drawing/2010/main" val="0"/>
-                </a:ext>
-              </a:extLst>
-            </a:blip>
-            <a:srcRect l="47781" t="4827" b="57071"/>
-            <a:stretch/>
-          </p:blipFill>
-          <p:spPr>
-            <a:xfrm>
-              <a:off x="2289070" y="7139613"/>
-              <a:ext cx="1734452" cy="1080000"/>
-            </a:xfrm>
-            <a:prstGeom prst="rect">
-              <a:avLst/>
-            </a:prstGeom>
-          </p:spPr>
-        </p:pic>
-        <p:pic>
-          <p:nvPicPr>
-            <p:cNvPr id="4" name="Imagen 3"/>
-            <p:cNvPicPr>
-              <a:picLocks noChangeAspect="1"/>
-            </p:cNvPicPr>
-            <p:nvPr/>
-          </p:nvPicPr>
-          <p:blipFill rotWithShape="1">
-            <a:blip r:embed="rId4" cstate="print">
-              <a:extLst>
-                <a:ext uri="{28A0092B-C50C-407E-A947-70E740481C1C}">
-                  <a14:useLocalDpi xmlns:a14="http://schemas.microsoft.com/office/drawing/2010/main" val="0"/>
-                </a:ext>
-              </a:extLst>
-            </a:blip>
-            <a:srcRect l="1705" t="60447" r="49955" b="6786"/>
-            <a:stretch/>
-          </p:blipFill>
-          <p:spPr>
-            <a:xfrm>
-              <a:off x="2289070" y="4798247"/>
-              <a:ext cx="1696857" cy="981590"/>
-            </a:xfrm>
-            <a:prstGeom prst="rect">
-              <a:avLst/>
-            </a:prstGeom>
-          </p:spPr>
-        </p:pic>
-        <p:pic>
-          <p:nvPicPr>
-            <p:cNvPr id="5" name="Imagen 4"/>
-            <p:cNvPicPr>
-              <a:picLocks noChangeAspect="1"/>
-            </p:cNvPicPr>
-            <p:nvPr/>
-          </p:nvPicPr>
-          <p:blipFill rotWithShape="1">
-            <a:blip r:embed="rId5" cstate="print">
-              <a:extLst>
-                <a:ext uri="{28A0092B-C50C-407E-A947-70E740481C1C}">
-                  <a14:useLocalDpi xmlns:a14="http://schemas.microsoft.com/office/drawing/2010/main" val="0"/>
-                </a:ext>
-              </a:extLst>
-            </a:blip>
-            <a:srcRect l="7822" t="1219" r="61830" b="45692"/>
-            <a:stretch/>
-          </p:blipFill>
-          <p:spPr>
-            <a:xfrm>
-              <a:off x="6755191" y="2227560"/>
-              <a:ext cx="723446" cy="1080000"/>
-            </a:xfrm>
-            <a:prstGeom prst="rect">
-              <a:avLst/>
-            </a:prstGeom>
-          </p:spPr>
-        </p:pic>
-        <p:pic>
-          <p:nvPicPr>
-            <p:cNvPr id="6" name="Imagen 5"/>
-            <p:cNvPicPr>
-              <a:picLocks noChangeAspect="1"/>
-            </p:cNvPicPr>
-            <p:nvPr/>
-          </p:nvPicPr>
-          <p:blipFill rotWithShape="1">
-            <a:blip r:embed="rId6" cstate="print">
-              <a:extLst>
-                <a:ext uri="{28A0092B-C50C-407E-A947-70E740481C1C}">
-                  <a14:useLocalDpi xmlns:a14="http://schemas.microsoft.com/office/drawing/2010/main" val="0"/>
-                </a:ext>
-              </a:extLst>
-            </a:blip>
-            <a:srcRect l="57435" t="52931"/>
-            <a:stretch/>
-          </p:blipFill>
-          <p:spPr>
-            <a:xfrm>
-              <a:off x="2555899" y="2180262"/>
-              <a:ext cx="1194733" cy="1127457"/>
-            </a:xfrm>
-            <a:prstGeom prst="rect">
-              <a:avLst/>
-            </a:prstGeom>
-          </p:spPr>
-        </p:pic>
-        <p:sp>
-          <p:nvSpPr>
-            <p:cNvPr id="7" name="CuadroTexto 6"/>
-            <p:cNvSpPr txBox="1"/>
-            <p:nvPr/>
-          </p:nvSpPr>
-          <p:spPr>
-            <a:xfrm>
-              <a:off x="5944949" y="7510599"/>
-              <a:ext cx="2249334" cy="646331"/>
-            </a:xfrm>
-            <a:prstGeom prst="rect">
-              <a:avLst/>
-            </a:prstGeom>
-            <a:noFill/>
-          </p:spPr>
-          <p:txBody>
-            <a:bodyPr wrap="none" rtlCol="0">
-              <a:spAutoFit/>
-            </a:bodyPr>
-            <a:lstStyle/>
-            <a:p>
-              <a:r>
-                <a:rPr lang="en-US" sz="3600" b="1" dirty="0">
-                  <a:latin typeface="Times New Roman" panose="02020603050405020304" pitchFamily="18" charset="0"/>
-                  <a:cs typeface="Times New Roman" panose="02020603050405020304" pitchFamily="18" charset="0"/>
-                </a:rPr>
-                <a:t>All Insects</a:t>
-              </a:r>
-            </a:p>
-          </p:txBody>
-        </p:sp>
-        <p:pic>
-          <p:nvPicPr>
-            <p:cNvPr id="9" name="Imagen 8"/>
-            <p:cNvPicPr>
-              <a:picLocks noChangeAspect="1"/>
-            </p:cNvPicPr>
-            <p:nvPr/>
-          </p:nvPicPr>
-          <p:blipFill>
-            <a:blip r:embed="rId7" cstate="print">
-              <a:extLst>
-                <a:ext uri="{28A0092B-C50C-407E-A947-70E740481C1C}">
-                  <a14:useLocalDpi xmlns:a14="http://schemas.microsoft.com/office/drawing/2010/main" val="0"/>
-                </a:ext>
-              </a:extLst>
-            </a:blip>
-            <a:stretch>
-              <a:fillRect/>
-            </a:stretch>
-          </p:blipFill>
-          <p:spPr>
-            <a:xfrm>
-              <a:off x="6454235" y="4682406"/>
-              <a:ext cx="1301585" cy="1126800"/>
-            </a:xfrm>
-            <a:prstGeom prst="rect">
-              <a:avLst/>
-            </a:prstGeom>
-          </p:spPr>
-        </p:pic>
-      </p:grpSp>
+          <a:prstGeom prst="rect">
+            <a:avLst/>
+          </a:prstGeom>
+        </p:spPr>
+      </p:pic>
+      <p:pic>
+        <p:nvPicPr>
+          <p:cNvPr id="2" name="Imagen 1"/>
+          <p:cNvPicPr>
+            <a:picLocks noChangeAspect="1"/>
+          </p:cNvPicPr>
+          <p:nvPr/>
+        </p:nvPicPr>
+        <p:blipFill rotWithShape="1">
+          <a:blip r:embed="rId2" cstate="print">
+            <a:extLst>
+              <a:ext uri="{28A0092B-C50C-407E-A947-70E740481C1C}">
+                <a14:useLocalDpi xmlns:a14="http://schemas.microsoft.com/office/drawing/2010/main" val="0"/>
+              </a:ext>
+            </a:extLst>
+          </a:blip>
+          <a:srcRect l="3649" t="4694" r="54812" b="5401"/>
+          <a:stretch/>
+        </p:blipFill>
+        <p:spPr>
+          <a:xfrm>
+            <a:off x="191539" y="847741"/>
+            <a:ext cx="3974176" cy="6987727"/>
+          </a:xfrm>
+          <a:prstGeom prst="rect">
+            <a:avLst/>
+          </a:prstGeom>
+        </p:spPr>
+      </p:pic>
+      <p:pic>
+        <p:nvPicPr>
+          <p:cNvPr id="3" name="Imagen 2"/>
+          <p:cNvPicPr>
+            <a:picLocks noChangeAspect="1"/>
+          </p:cNvPicPr>
+          <p:nvPr/>
+        </p:nvPicPr>
+        <p:blipFill rotWithShape="1">
+          <a:blip r:embed="rId3" cstate="print">
+            <a:extLst>
+              <a:ext uri="{28A0092B-C50C-407E-A947-70E740481C1C}">
+                <a14:useLocalDpi xmlns:a14="http://schemas.microsoft.com/office/drawing/2010/main" val="0"/>
+              </a:ext>
+            </a:extLst>
+          </a:blip>
+          <a:srcRect l="47781" t="4827" b="57071"/>
+          <a:stretch/>
+        </p:blipFill>
+        <p:spPr>
+          <a:xfrm>
+            <a:off x="64872" y="5040628"/>
+            <a:ext cx="1734452" cy="1080000"/>
+          </a:xfrm>
+          <a:prstGeom prst="rect">
+            <a:avLst/>
+          </a:prstGeom>
+        </p:spPr>
+      </p:pic>
+      <p:pic>
+        <p:nvPicPr>
+          <p:cNvPr id="4" name="Imagen 3"/>
+          <p:cNvPicPr>
+            <a:picLocks noChangeAspect="1"/>
+          </p:cNvPicPr>
+          <p:nvPr/>
+        </p:nvPicPr>
+        <p:blipFill rotWithShape="1">
+          <a:blip r:embed="rId4" cstate="print">
+            <a:extLst>
+              <a:ext uri="{28A0092B-C50C-407E-A947-70E740481C1C}">
+                <a14:useLocalDpi xmlns:a14="http://schemas.microsoft.com/office/drawing/2010/main" val="0"/>
+              </a:ext>
+            </a:extLst>
+          </a:blip>
+          <a:srcRect l="1705" t="60447" r="49955" b="6786"/>
+          <a:stretch/>
+        </p:blipFill>
+        <p:spPr>
+          <a:xfrm>
+            <a:off x="64872" y="2699262"/>
+            <a:ext cx="1696857" cy="981590"/>
+          </a:xfrm>
+          <a:prstGeom prst="rect">
+            <a:avLst/>
+          </a:prstGeom>
+        </p:spPr>
+      </p:pic>
+      <p:pic>
+        <p:nvPicPr>
+          <p:cNvPr id="5" name="Imagen 4"/>
+          <p:cNvPicPr>
+            <a:picLocks noChangeAspect="1"/>
+          </p:cNvPicPr>
+          <p:nvPr/>
+        </p:nvPicPr>
+        <p:blipFill rotWithShape="1">
+          <a:blip r:embed="rId5" cstate="print">
+            <a:extLst>
+              <a:ext uri="{28A0092B-C50C-407E-A947-70E740481C1C}">
+                <a14:useLocalDpi xmlns:a14="http://schemas.microsoft.com/office/drawing/2010/main" val="0"/>
+              </a:ext>
+            </a:extLst>
+          </a:blip>
+          <a:srcRect l="7822" t="1219" r="61830" b="45692"/>
+          <a:stretch/>
+        </p:blipFill>
+        <p:spPr>
+          <a:xfrm>
+            <a:off x="4530993" y="128575"/>
+            <a:ext cx="723446" cy="1080000"/>
+          </a:xfrm>
+          <a:prstGeom prst="rect">
+            <a:avLst/>
+          </a:prstGeom>
+        </p:spPr>
+      </p:pic>
+      <p:pic>
+        <p:nvPicPr>
+          <p:cNvPr id="6" name="Imagen 5"/>
+          <p:cNvPicPr>
+            <a:picLocks noChangeAspect="1"/>
+          </p:cNvPicPr>
+          <p:nvPr/>
+        </p:nvPicPr>
+        <p:blipFill rotWithShape="1">
+          <a:blip r:embed="rId6" cstate="print">
+            <a:extLst>
+              <a:ext uri="{28A0092B-C50C-407E-A947-70E740481C1C}">
+                <a14:useLocalDpi xmlns:a14="http://schemas.microsoft.com/office/drawing/2010/main" val="0"/>
+              </a:ext>
+            </a:extLst>
+          </a:blip>
+          <a:srcRect l="57435" t="52931"/>
+          <a:stretch/>
+        </p:blipFill>
+        <p:spPr>
+          <a:xfrm>
+            <a:off x="331701" y="81277"/>
+            <a:ext cx="1194733" cy="1127457"/>
+          </a:xfrm>
+          <a:prstGeom prst="rect">
+            <a:avLst/>
+          </a:prstGeom>
+        </p:spPr>
+      </p:pic>
+      <p:sp>
+        <p:nvSpPr>
+          <p:cNvPr id="7" name="CuadroTexto 6"/>
+          <p:cNvSpPr txBox="1"/>
+          <p:nvPr/>
+        </p:nvSpPr>
+        <p:spPr>
+          <a:xfrm>
+            <a:off x="4509023" y="5490440"/>
+            <a:ext cx="3555782" cy="523220"/>
+          </a:xfrm>
+          <a:prstGeom prst="rect">
+            <a:avLst/>
+          </a:prstGeom>
+          <a:noFill/>
+        </p:spPr>
+        <p:txBody>
+          <a:bodyPr wrap="none" rtlCol="0">
+            <a:spAutoFit/>
+          </a:bodyPr>
+          <a:lstStyle/>
+          <a:p>
+            <a:r>
+              <a:rPr lang="en-US" sz="2800" b="1" dirty="0" smtClean="0">
+                <a:latin typeface="Times New Roman" panose="02020603050405020304" pitchFamily="18" charset="0"/>
+                <a:cs typeface="Times New Roman" panose="02020603050405020304" pitchFamily="18" charset="0"/>
+              </a:rPr>
+              <a:t>Studied Insect Orders</a:t>
+            </a:r>
+            <a:endParaRPr lang="en-US" sz="2800" b="1" dirty="0">
+              <a:latin typeface="Times New Roman" panose="02020603050405020304" pitchFamily="18" charset="0"/>
+              <a:cs typeface="Times New Roman" panose="02020603050405020304" pitchFamily="18" charset="0"/>
+            </a:endParaRPr>
+          </a:p>
+        </p:txBody>
+      </p:sp>
+      <p:pic>
+        <p:nvPicPr>
+          <p:cNvPr id="9" name="Imagen 8"/>
+          <p:cNvPicPr>
+            <a:picLocks noChangeAspect="1"/>
+          </p:cNvPicPr>
+          <p:nvPr/>
+        </p:nvPicPr>
+        <p:blipFill>
+          <a:blip r:embed="rId7" cstate="print">
+            <a:extLst>
+              <a:ext uri="{28A0092B-C50C-407E-A947-70E740481C1C}">
+                <a14:useLocalDpi xmlns:a14="http://schemas.microsoft.com/office/drawing/2010/main" val="0"/>
+              </a:ext>
+            </a:extLst>
+          </a:blip>
+          <a:stretch>
+            <a:fillRect/>
+          </a:stretch>
+        </p:blipFill>
+        <p:spPr>
+          <a:xfrm>
+            <a:off x="4230037" y="2583421"/>
+            <a:ext cx="1301585" cy="1126800"/>
+          </a:xfrm>
+          <a:prstGeom prst="rect">
+            <a:avLst/>
+          </a:prstGeom>
+        </p:spPr>
+      </p:pic>
     </p:spTree>
     <p:extLst>
       <p:ext uri="{BB962C8B-B14F-4D97-AF65-F5344CB8AC3E}">
